--- a/Reliable Frontends.pptx
+++ b/Reliable Frontends.pptx
@@ -7,18 +7,17 @@
   <p:sldIdLst>
     <p:sldId id="257" r:id="rId2"/>
     <p:sldId id="258" r:id="rId3"/>
-    <p:sldId id="260" r:id="rId4"/>
-    <p:sldId id="261" r:id="rId5"/>
-    <p:sldId id="263" r:id="rId6"/>
-    <p:sldId id="264" r:id="rId7"/>
-    <p:sldId id="265" r:id="rId8"/>
-    <p:sldId id="266" r:id="rId9"/>
-    <p:sldId id="267" r:id="rId10"/>
-    <p:sldId id="268" r:id="rId11"/>
-    <p:sldId id="269" r:id="rId12"/>
-    <p:sldId id="273" r:id="rId13"/>
-    <p:sldId id="271" r:id="rId14"/>
-    <p:sldId id="274" r:id="rId15"/>
+    <p:sldId id="276" r:id="rId4"/>
+    <p:sldId id="275" r:id="rId5"/>
+    <p:sldId id="260" r:id="rId6"/>
+    <p:sldId id="261" r:id="rId7"/>
+    <p:sldId id="263" r:id="rId8"/>
+    <p:sldId id="264" r:id="rId9"/>
+    <p:sldId id="265" r:id="rId10"/>
+    <p:sldId id="269" r:id="rId11"/>
+    <p:sldId id="273" r:id="rId12"/>
+    <p:sldId id="274" r:id="rId13"/>
+    <p:sldId id="277" r:id="rId14"/>
   </p:sldIdLst>
   <p:sldSz cx="12192000" cy="6858000"/>
   <p:notesSz cx="6858000" cy="9144000"/>
@@ -117,6 +116,11 @@
       </a:defRPr>
     </a:lvl9pPr>
   </p:defaultTextStyle>
+  <p:extLst>
+    <p:ext uri="{EFAFB233-063F-42B5-8137-9DF3F51BA10A}">
+      <p15:sldGuideLst xmlns:p15="http://schemas.microsoft.com/office/powerpoint/2012/main"/>
+    </p:ext>
+  </p:extLst>
 </p:presentation>
 </file>
 
@@ -251,7 +255,7 @@
           <a:p>
             <a:fld id="{8C9473D6-B641-4455-92B1-78FB8CFEE441}" type="datetimeFigureOut">
               <a:rPr lang="en-US" smtClean="0"/>
-              <a:t>8/26/2023</a:t>
+              <a:t>8/31/2023</a:t>
             </a:fld>
             <a:endParaRPr lang="en-US"/>
           </a:p>
@@ -421,7 +425,7 @@
           <a:p>
             <a:fld id="{8C9473D6-B641-4455-92B1-78FB8CFEE441}" type="datetimeFigureOut">
               <a:rPr lang="en-US" smtClean="0"/>
-              <a:t>8/26/2023</a:t>
+              <a:t>8/31/2023</a:t>
             </a:fld>
             <a:endParaRPr lang="en-US"/>
           </a:p>
@@ -601,7 +605,7 @@
           <a:p>
             <a:fld id="{8C9473D6-B641-4455-92B1-78FB8CFEE441}" type="datetimeFigureOut">
               <a:rPr lang="en-US" smtClean="0"/>
-              <a:t>8/26/2023</a:t>
+              <a:t>8/31/2023</a:t>
             </a:fld>
             <a:endParaRPr lang="en-US"/>
           </a:p>
@@ -771,7 +775,7 @@
           <a:p>
             <a:fld id="{8C9473D6-B641-4455-92B1-78FB8CFEE441}" type="datetimeFigureOut">
               <a:rPr lang="en-US" smtClean="0"/>
-              <a:t>8/26/2023</a:t>
+              <a:t>8/31/2023</a:t>
             </a:fld>
             <a:endParaRPr lang="en-US"/>
           </a:p>
@@ -1017,7 +1021,7 @@
           <a:p>
             <a:fld id="{8C9473D6-B641-4455-92B1-78FB8CFEE441}" type="datetimeFigureOut">
               <a:rPr lang="en-US" smtClean="0"/>
-              <a:t>8/26/2023</a:t>
+              <a:t>8/31/2023</a:t>
             </a:fld>
             <a:endParaRPr lang="en-US"/>
           </a:p>
@@ -1249,7 +1253,7 @@
           <a:p>
             <a:fld id="{8C9473D6-B641-4455-92B1-78FB8CFEE441}" type="datetimeFigureOut">
               <a:rPr lang="en-US" smtClean="0"/>
-              <a:t>8/26/2023</a:t>
+              <a:t>8/31/2023</a:t>
             </a:fld>
             <a:endParaRPr lang="en-US"/>
           </a:p>
@@ -1616,7 +1620,7 @@
           <a:p>
             <a:fld id="{8C9473D6-B641-4455-92B1-78FB8CFEE441}" type="datetimeFigureOut">
               <a:rPr lang="en-US" smtClean="0"/>
-              <a:t>8/26/2023</a:t>
+              <a:t>8/31/2023</a:t>
             </a:fld>
             <a:endParaRPr lang="en-US"/>
           </a:p>
@@ -1734,7 +1738,7 @@
           <a:p>
             <a:fld id="{8C9473D6-B641-4455-92B1-78FB8CFEE441}" type="datetimeFigureOut">
               <a:rPr lang="en-US" smtClean="0"/>
-              <a:t>8/26/2023</a:t>
+              <a:t>8/31/2023</a:t>
             </a:fld>
             <a:endParaRPr lang="en-US"/>
           </a:p>
@@ -1829,7 +1833,7 @@
           <a:p>
             <a:fld id="{8C9473D6-B641-4455-92B1-78FB8CFEE441}" type="datetimeFigureOut">
               <a:rPr lang="en-US" smtClean="0"/>
-              <a:t>8/26/2023</a:t>
+              <a:t>8/31/2023</a:t>
             </a:fld>
             <a:endParaRPr lang="en-US"/>
           </a:p>
@@ -2106,7 +2110,7 @@
           <a:p>
             <a:fld id="{8C9473D6-B641-4455-92B1-78FB8CFEE441}" type="datetimeFigureOut">
               <a:rPr lang="en-US" smtClean="0"/>
-              <a:t>8/26/2023</a:t>
+              <a:t>8/31/2023</a:t>
             </a:fld>
             <a:endParaRPr lang="en-US"/>
           </a:p>
@@ -2363,7 +2367,7 @@
           <a:p>
             <a:fld id="{8C9473D6-B641-4455-92B1-78FB8CFEE441}" type="datetimeFigureOut">
               <a:rPr lang="en-US" smtClean="0"/>
-              <a:t>8/26/2023</a:t>
+              <a:t>8/31/2023</a:t>
             </a:fld>
             <a:endParaRPr lang="en-US"/>
           </a:p>
@@ -2576,7 +2580,7 @@
           <a:p>
             <a:fld id="{8C9473D6-B641-4455-92B1-78FB8CFEE441}" type="datetimeFigureOut">
               <a:rPr lang="en-US" smtClean="0"/>
-              <a:t>8/26/2023</a:t>
+              <a:t>8/31/2023</a:t>
             </a:fld>
             <a:endParaRPr lang="en-US"/>
           </a:p>
@@ -3102,7 +3106,7 @@
                   <a:schemeClr val="bg1"/>
                 </a:solidFill>
               </a:rPr>
-              <a:t>Demos</a:t>
+              <a:t>Demo 1</a:t>
             </a:r>
           </a:p>
         </p:txBody>
@@ -3120,67 +3124,23 @@
             <a:spLocks noGrp="1"/>
           </p:cNvSpPr>
           <p:nvPr>
-            <p:ph idx="1"/>
+            <p:ph type="body" idx="1"/>
           </p:nvPr>
         </p:nvSpPr>
         <p:spPr/>
         <p:txBody>
-          <a:bodyPr/>
-          <a:lstStyle/>
-          <a:p>
-            <a:pPr marL="514350" indent="-514350">
-              <a:buFont typeface="+mj-lt"/>
-              <a:buAutoNum type="arabicPeriod"/>
-            </a:pPr>
+          <a:bodyPr>
+            <a:normAutofit/>
+          </a:bodyPr>
+          <a:lstStyle/>
+          <a:p>
             <a:r>
               <a:rPr lang="en-US" dirty="0">
                 <a:solidFill>
                   <a:schemeClr val="bg1"/>
                 </a:solidFill>
               </a:rPr>
-              <a:t>My Test framework – non-UI/UI</a:t>
-            </a:r>
-          </a:p>
-          <a:p>
-            <a:pPr marL="514350" indent="-514350">
-              <a:buFont typeface="+mj-lt"/>
-              <a:buAutoNum type="arabicPeriod"/>
-            </a:pPr>
-            <a:r>
-              <a:rPr lang="en-US" dirty="0">
-                <a:solidFill>
-                  <a:schemeClr val="bg1"/>
-                </a:solidFill>
-              </a:rPr>
-              <a:t>Using Test framework</a:t>
-            </a:r>
-          </a:p>
-          <a:p>
-            <a:pPr marL="514350" indent="-514350">
-              <a:buFont typeface="+mj-lt"/>
-              <a:buAutoNum type="arabicPeriod"/>
-            </a:pPr>
-            <a:r>
-              <a:rPr lang="en-US" dirty="0">
-                <a:solidFill>
-                  <a:schemeClr val="bg1"/>
-                </a:solidFill>
-              </a:rPr>
-              <a:t>Using Test Runner</a:t>
-            </a:r>
-          </a:p>
-          <a:p>
-            <a:pPr marL="514350" indent="-514350">
-              <a:buFont typeface="+mj-lt"/>
-              <a:buAutoNum type="arabicPeriod"/>
-            </a:pPr>
-            <a:r>
-              <a:rPr lang="en-US" dirty="0">
-                <a:solidFill>
-                  <a:schemeClr val="bg1"/>
-                </a:solidFill>
-              </a:rPr>
-              <a:t>Testing in Meat frameworks</a:t>
+              <a:t>How to write a testable frontend code.</a:t>
             </a:r>
           </a:p>
           <a:p>
@@ -3195,7 +3155,7 @@
     </p:spTree>
     <p:extLst>
       <p:ext uri="{BB962C8B-B14F-4D97-AF65-F5344CB8AC3E}">
-        <p14:creationId xmlns:p14="http://schemas.microsoft.com/office/powerpoint/2010/main" val="3907264581"/>
+        <p14:creationId xmlns:p14="http://schemas.microsoft.com/office/powerpoint/2010/main" val="495427977"/>
       </p:ext>
     </p:extLst>
   </p:cSld>
@@ -3208,14 +3168,6 @@
 <file path=ppt/slides/slide11.xml><?xml version="1.0" encoding="utf-8"?>
 <p:sld xmlns:a="http://schemas.openxmlformats.org/drawingml/2006/main" xmlns:r="http://schemas.openxmlformats.org/officeDocument/2006/relationships" xmlns:p="http://schemas.openxmlformats.org/presentationml/2006/main">
   <p:cSld>
-    <p:bg>
-      <p:bgPr>
-        <a:solidFill>
-          <a:srgbClr val="FFFFFF"/>
-        </a:solidFill>
-        <a:effectLst/>
-      </p:bgPr>
-    </p:bg>
     <p:spTree>
       <p:nvGrpSpPr>
         <p:cNvPr id="1" name=""/>
@@ -3235,7 +3187,7 @@
           <p:cNvPr id="2" name="Title 1">
             <a:extLst>
               <a:ext uri="{FF2B5EF4-FFF2-40B4-BE49-F238E27FC236}">
-                <a16:creationId xmlns:a16="http://schemas.microsoft.com/office/drawing/2014/main" id="{680932A7-3F27-2C69-C5DF-D527A2FAB8AF}"/>
+                <a16:creationId xmlns:a16="http://schemas.microsoft.com/office/drawing/2014/main" id="{24CAEBD4-9C0E-0E2A-20A3-FBEC37253EBA}"/>
               </a:ext>
             </a:extLst>
           </p:cNvPr>
@@ -3252,22 +3204,18 @@
           <a:lstStyle/>
           <a:p>
             <a:r>
-              <a:rPr lang="en-US" dirty="0">
-                <a:solidFill>
-                  <a:schemeClr val="bg1"/>
-                </a:solidFill>
-              </a:rPr>
-              <a:t>Demo 1</a:t>
-            </a:r>
-          </a:p>
-        </p:txBody>
-      </p:sp>
-      <p:sp>
-        <p:nvSpPr>
-          <p:cNvPr id="4" name="Content Placeholder 3">
+              <a:rPr lang="en-US" dirty="0"/>
+              <a:t>Demo 2</a:t>
+            </a:r>
+          </a:p>
+        </p:txBody>
+      </p:sp>
+      <p:sp>
+        <p:nvSpPr>
+          <p:cNvPr id="4" name="Text Placeholder 3">
             <a:extLst>
               <a:ext uri="{FF2B5EF4-FFF2-40B4-BE49-F238E27FC236}">
-                <a16:creationId xmlns:a16="http://schemas.microsoft.com/office/drawing/2014/main" id="{C67B37E5-618F-4D07-2AF3-EA23F04FA37F}"/>
+                <a16:creationId xmlns:a16="http://schemas.microsoft.com/office/drawing/2014/main" id="{1F76351E-C78D-229C-88E4-D530C447AC96}"/>
               </a:ext>
             </a:extLst>
           </p:cNvPr>
@@ -3280,33 +3228,27 @@
         </p:nvSpPr>
         <p:spPr/>
         <p:txBody>
-          <a:bodyPr>
-            <a:normAutofit/>
-          </a:bodyPr>
+          <a:bodyPr/>
           <a:lstStyle/>
           <a:p>
             <a:r>
               <a:rPr lang="en-US" dirty="0">
                 <a:solidFill>
-                  <a:schemeClr val="bg1"/>
-                </a:solidFill>
-              </a:rPr>
-              <a:t>My Test framework – non-UI/UI</a:t>
-            </a:r>
-          </a:p>
-          <a:p>
-            <a:endParaRPr lang="en-US" dirty="0">
-              <a:solidFill>
-                <a:schemeClr val="bg1"/>
-              </a:solidFill>
-            </a:endParaRPr>
+                  <a:schemeClr val="tx1"/>
+                </a:solidFill>
+              </a:rPr>
+              <a:t>Test frameworks</a:t>
+            </a:r>
+          </a:p>
+          <a:p>
+            <a:endParaRPr lang="en-US" dirty="0"/>
           </a:p>
         </p:txBody>
       </p:sp>
     </p:spTree>
     <p:extLst>
       <p:ext uri="{BB962C8B-B14F-4D97-AF65-F5344CB8AC3E}">
-        <p14:creationId xmlns:p14="http://schemas.microsoft.com/office/powerpoint/2010/main" val="495427977"/>
+        <p14:creationId xmlns:p14="http://schemas.microsoft.com/office/powerpoint/2010/main" val="30924194"/>
       </p:ext>
     </p:extLst>
   </p:cSld>
@@ -3356,7 +3298,7 @@
           <a:p>
             <a:r>
               <a:rPr lang="en-US" dirty="0"/>
-              <a:t>Demo 2</a:t>
+              <a:t>Demo 3</a:t>
             </a:r>
           </a:p>
         </p:txBody>
@@ -3383,23 +3325,16 @@
           <a:lstStyle/>
           <a:p>
             <a:r>
-              <a:rPr lang="en-US" dirty="0">
-                <a:solidFill>
-                  <a:schemeClr val="tx1"/>
-                </a:solidFill>
-              </a:rPr>
-              <a:t>Using Test framework</a:t>
-            </a:r>
-          </a:p>
-          <a:p>
-            <a:endParaRPr lang="en-US" dirty="0"/>
+              <a:rPr lang="en-US" dirty="0"/>
+              <a:t>Unit and Integration testing</a:t>
+            </a:r>
           </a:p>
         </p:txBody>
       </p:sp>
     </p:spTree>
     <p:extLst>
       <p:ext uri="{BB962C8B-B14F-4D97-AF65-F5344CB8AC3E}">
-        <p14:creationId xmlns:p14="http://schemas.microsoft.com/office/powerpoint/2010/main" val="30924194"/>
+        <p14:creationId xmlns:p14="http://schemas.microsoft.com/office/powerpoint/2010/main" val="900587574"/>
       </p:ext>
     </p:extLst>
   </p:cSld>
@@ -3410,117 +3345,6 @@
 </file>
 
 <file path=ppt/slides/slide13.xml><?xml version="1.0" encoding="utf-8"?>
-<p:sld xmlns:a="http://schemas.openxmlformats.org/drawingml/2006/main" xmlns:r="http://schemas.openxmlformats.org/officeDocument/2006/relationships" xmlns:p="http://schemas.openxmlformats.org/presentationml/2006/main">
-  <p:cSld>
-    <p:bg>
-      <p:bgPr>
-        <a:solidFill>
-          <a:srgbClr val="FFFFFF"/>
-        </a:solidFill>
-        <a:effectLst/>
-      </p:bgPr>
-    </p:bg>
-    <p:spTree>
-      <p:nvGrpSpPr>
-        <p:cNvPr id="1" name=""/>
-        <p:cNvGrpSpPr/>
-        <p:nvPr/>
-      </p:nvGrpSpPr>
-      <p:grpSpPr>
-        <a:xfrm>
-          <a:off x="0" y="0"/>
-          <a:ext cx="0" cy="0"/>
-          <a:chOff x="0" y="0"/>
-          <a:chExt cx="0" cy="0"/>
-        </a:xfrm>
-      </p:grpSpPr>
-      <p:sp>
-        <p:nvSpPr>
-          <p:cNvPr id="2" name="Title 1">
-            <a:extLst>
-              <a:ext uri="{FF2B5EF4-FFF2-40B4-BE49-F238E27FC236}">
-                <a16:creationId xmlns:a16="http://schemas.microsoft.com/office/drawing/2014/main" id="{680932A7-3F27-2C69-C5DF-D527A2FAB8AF}"/>
-              </a:ext>
-            </a:extLst>
-          </p:cNvPr>
-          <p:cNvSpPr>
-            <a:spLocks noGrp="1"/>
-          </p:cNvSpPr>
-          <p:nvPr>
-            <p:ph type="title"/>
-          </p:nvPr>
-        </p:nvSpPr>
-        <p:spPr/>
-        <p:txBody>
-          <a:bodyPr/>
-          <a:lstStyle/>
-          <a:p>
-            <a:r>
-              <a:rPr lang="en-US" dirty="0">
-                <a:solidFill>
-                  <a:schemeClr val="bg1"/>
-                </a:solidFill>
-              </a:rPr>
-              <a:t>Demo 3</a:t>
-            </a:r>
-          </a:p>
-        </p:txBody>
-      </p:sp>
-      <p:sp>
-        <p:nvSpPr>
-          <p:cNvPr id="4" name="Content Placeholder 3">
-            <a:extLst>
-              <a:ext uri="{FF2B5EF4-FFF2-40B4-BE49-F238E27FC236}">
-                <a16:creationId xmlns:a16="http://schemas.microsoft.com/office/drawing/2014/main" id="{C67B37E5-618F-4D07-2AF3-EA23F04FA37F}"/>
-              </a:ext>
-            </a:extLst>
-          </p:cNvPr>
-          <p:cNvSpPr>
-            <a:spLocks noGrp="1"/>
-          </p:cNvSpPr>
-          <p:nvPr>
-            <p:ph type="body" idx="1"/>
-          </p:nvPr>
-        </p:nvSpPr>
-        <p:spPr/>
-        <p:txBody>
-          <a:bodyPr>
-            <a:normAutofit/>
-          </a:bodyPr>
-          <a:lstStyle/>
-          <a:p>
-            <a:r>
-              <a:rPr lang="en-US" dirty="0">
-                <a:solidFill>
-                  <a:schemeClr val="bg1"/>
-                </a:solidFill>
-              </a:rPr>
-              <a:t>Using Test Runner</a:t>
-            </a:r>
-          </a:p>
-          <a:p>
-            <a:endParaRPr lang="en-US" dirty="0">
-              <a:solidFill>
-                <a:schemeClr val="bg1"/>
-              </a:solidFill>
-            </a:endParaRPr>
-          </a:p>
-        </p:txBody>
-      </p:sp>
-    </p:spTree>
-    <p:extLst>
-      <p:ext uri="{BB962C8B-B14F-4D97-AF65-F5344CB8AC3E}">
-        <p14:creationId xmlns:p14="http://schemas.microsoft.com/office/powerpoint/2010/main" val="2262246774"/>
-      </p:ext>
-    </p:extLst>
-  </p:cSld>
-  <p:clrMapOvr>
-    <a:masterClrMapping/>
-  </p:clrMapOvr>
-</p:sld>
-</file>
-
-<file path=ppt/slides/slide14.xml><?xml version="1.0" encoding="utf-8"?>
 <p:sld xmlns:a="http://schemas.openxmlformats.org/drawingml/2006/main" xmlns:r="http://schemas.openxmlformats.org/officeDocument/2006/relationships" xmlns:p="http://schemas.openxmlformats.org/presentationml/2006/main">
   <p:cSld>
     <p:spTree>
@@ -3542,7 +3366,7 @@
           <p:cNvPr id="2" name="Title 1">
             <a:extLst>
               <a:ext uri="{FF2B5EF4-FFF2-40B4-BE49-F238E27FC236}">
-                <a16:creationId xmlns:a16="http://schemas.microsoft.com/office/drawing/2014/main" id="{24CAEBD4-9C0E-0E2A-20A3-FBEC37253EBA}"/>
+                <a16:creationId xmlns:a16="http://schemas.microsoft.com/office/drawing/2014/main" id="{99BF2473-24F2-FDDA-1A9A-DBBB2E2CC625}"/>
               </a:ext>
             </a:extLst>
           </p:cNvPr>
@@ -3560,17 +3384,17 @@
           <a:p>
             <a:r>
               <a:rPr lang="en-US" dirty="0"/>
-              <a:t>Demo 4</a:t>
-            </a:r>
-          </a:p>
-        </p:txBody>
-      </p:sp>
-      <p:sp>
-        <p:nvSpPr>
-          <p:cNvPr id="4" name="Text Placeholder 3">
+              <a:t>Ref</a:t>
+            </a:r>
+          </a:p>
+        </p:txBody>
+      </p:sp>
+      <p:sp>
+        <p:nvSpPr>
+          <p:cNvPr id="3" name="Content Placeholder 2">
             <a:extLst>
               <a:ext uri="{FF2B5EF4-FFF2-40B4-BE49-F238E27FC236}">
-                <a16:creationId xmlns:a16="http://schemas.microsoft.com/office/drawing/2014/main" id="{1F76351E-C78D-229C-88E4-D530C447AC96}"/>
+                <a16:creationId xmlns:a16="http://schemas.microsoft.com/office/drawing/2014/main" id="{0BE5035C-9057-5DA1-B8E4-8976B843611E}"/>
               </a:ext>
             </a:extLst>
           </p:cNvPr>
@@ -3578,7 +3402,7 @@
             <a:spLocks noGrp="1"/>
           </p:cNvSpPr>
           <p:nvPr>
-            <p:ph type="body" idx="1"/>
+            <p:ph idx="1"/>
           </p:nvPr>
         </p:nvSpPr>
         <p:spPr/>
@@ -3587,23 +3411,40 @@
           <a:lstStyle/>
           <a:p>
             <a:r>
-              <a:rPr lang="en-US" dirty="0">
-                <a:solidFill>
-                  <a:schemeClr val="tx1"/>
-                </a:solidFill>
-              </a:rPr>
-              <a:t>Testing in Meat frameworks</a:t>
-            </a:r>
-          </a:p>
-          <a:p>
-            <a:endParaRPr lang="en-US" dirty="0"/>
+              <a:rPr lang="en-US" dirty="0"/>
+              <a:t>[1] </a:t>
+            </a:r>
+            <a:r>
+              <a:rPr lang="en-US" dirty="0" err="1"/>
+              <a:t>Ocariza</a:t>
+            </a:r>
+            <a:r>
+              <a:rPr lang="en-US" dirty="0"/>
+              <a:t>, </a:t>
+            </a:r>
+            <a:r>
+              <a:rPr lang="en-US" dirty="0" err="1"/>
+              <a:t>Frolin</a:t>
+            </a:r>
+            <a:r>
+              <a:rPr lang="en-US" dirty="0"/>
+              <a:t> &amp; Bajaj, Kartik &amp; </a:t>
+            </a:r>
+            <a:r>
+              <a:rPr lang="en-US" dirty="0" err="1"/>
+              <a:t>Pattabiraman</a:t>
+            </a:r>
+            <a:r>
+              <a:rPr lang="en-US" dirty="0"/>
+              <a:t>, Karthik &amp; Mesbah, Ali. (2016). A Study of Causes and Consequences of Client-Side JavaScript Bugs. IEEE Transactions on Software Engineering. 43. 1-1. 10.1109/TSE.2016.2586066. </a:t>
+            </a:r>
           </a:p>
         </p:txBody>
       </p:sp>
     </p:spTree>
     <p:extLst>
       <p:ext uri="{BB962C8B-B14F-4D97-AF65-F5344CB8AC3E}">
-        <p14:creationId xmlns:p14="http://schemas.microsoft.com/office/powerpoint/2010/main" val="900587574"/>
+        <p14:creationId xmlns:p14="http://schemas.microsoft.com/office/powerpoint/2010/main" val="2855746143"/>
       </p:ext>
     </p:extLst>
   </p:cSld>
@@ -3733,7 +3574,7 @@
           <p:cNvPr id="2" name="Title 1">
             <a:extLst>
               <a:ext uri="{FF2B5EF4-FFF2-40B4-BE49-F238E27FC236}">
-                <a16:creationId xmlns:a16="http://schemas.microsoft.com/office/drawing/2014/main" id="{3E45C220-DC4C-0450-4530-332D1C8EAE14}"/>
+                <a16:creationId xmlns:a16="http://schemas.microsoft.com/office/drawing/2014/main" id="{F6FBDAD9-BAF2-C847-FC32-366AEBB3EAFF}"/>
               </a:ext>
             </a:extLst>
           </p:cNvPr>
@@ -3750,18 +3591,21 @@
           <a:lstStyle/>
           <a:p>
             <a:r>
-              <a:rPr lang="en-US" dirty="0"/>
-              <a:t>What? &amp; How ?</a:t>
-            </a:r>
-          </a:p>
-        </p:txBody>
-      </p:sp>
-      <p:sp>
-        <p:nvSpPr>
-          <p:cNvPr id="3" name="Content Placeholder 2">
+              <a:rPr lang="en-US" dirty="0">
+                <a:effectLst/>
+              </a:rPr>
+              <a:t>JavaScript ??</a:t>
+            </a:r>
+            <a:endParaRPr lang="en-US" dirty="0"/>
+          </a:p>
+        </p:txBody>
+      </p:sp>
+      <p:sp>
+        <p:nvSpPr>
+          <p:cNvPr id="4" name="Content Placeholder 3">
             <a:extLst>
               <a:ext uri="{FF2B5EF4-FFF2-40B4-BE49-F238E27FC236}">
-                <a16:creationId xmlns:a16="http://schemas.microsoft.com/office/drawing/2014/main" id="{B435D07C-E747-0C6E-12E0-6C1C55B85E16}"/>
+                <a16:creationId xmlns:a16="http://schemas.microsoft.com/office/drawing/2014/main" id="{3369013C-3E13-ED05-2914-AC114834DC06}"/>
               </a:ext>
             </a:extLst>
           </p:cNvPr>
@@ -3769,39 +3613,945 @@
             <a:spLocks noGrp="1"/>
           </p:cNvSpPr>
           <p:nvPr>
-            <p:ph idx="1"/>
-          </p:nvPr>
-        </p:nvSpPr>
-        <p:spPr/>
-        <p:txBody>
-          <a:bodyPr/>
-          <a:lstStyle/>
-          <a:p>
-            <a:pPr marL="514350" indent="-514350">
-              <a:buFont typeface="+mj-lt"/>
-              <a:buAutoNum type="arabicPeriod"/>
+            <p:ph sz="half" idx="1"/>
+          </p:nvPr>
+        </p:nvSpPr>
+        <p:spPr>
+          <a:xfrm>
+            <a:off x="838200" y="1825625"/>
+            <a:ext cx="1763684" cy="4351338"/>
+          </a:xfrm>
+        </p:spPr>
+        <p:txBody>
+          <a:bodyPr>
+            <a:normAutofit/>
+          </a:bodyPr>
+          <a:lstStyle/>
+          <a:p>
+            <a:pPr marL="0" indent="0">
+              <a:buNone/>
             </a:pPr>
             <a:r>
-              <a:rPr lang="en-US" dirty="0"/>
-              <a:t>What should be tested in frontends ?</a:t>
-            </a:r>
-          </a:p>
-          <a:p>
-            <a:pPr marL="514350" indent="-514350">
-              <a:buFont typeface="+mj-lt"/>
-              <a:buAutoNum type="arabicPeriod"/>
+              <a:rPr lang="en-US" sz="1600" dirty="0"/>
+              <a:t>&gt; </a:t>
+            </a:r>
+            <a:r>
+              <a:rPr lang="en-US" sz="1600" b="0" dirty="0">
+                <a:solidFill>
+                  <a:srgbClr val="79B8FF"/>
+                </a:solidFill>
+                <a:effectLst/>
+                <a:latin typeface="Consolas" panose="020B0609020204030204" pitchFamily="49" charset="0"/>
+              </a:rPr>
+              <a:t>5</a:t>
+            </a:r>
+            <a:r>
+              <a:rPr lang="en-US" sz="1600" b="0" dirty="0">
+                <a:solidFill>
+                  <a:srgbClr val="F97583"/>
+                </a:solidFill>
+                <a:effectLst/>
+                <a:latin typeface="Consolas" panose="020B0609020204030204" pitchFamily="49" charset="0"/>
+              </a:rPr>
+              <a:t>+</a:t>
+            </a:r>
+            <a:r>
+              <a:rPr lang="en-US" sz="1600" b="0" dirty="0">
+                <a:solidFill>
+                  <a:srgbClr val="79B8FF"/>
+                </a:solidFill>
+                <a:effectLst/>
+                <a:latin typeface="Consolas" panose="020B0609020204030204" pitchFamily="49" charset="0"/>
+              </a:rPr>
+              <a:t>5</a:t>
+            </a:r>
+            <a:endParaRPr lang="en-US" sz="1600" b="0" dirty="0">
+              <a:solidFill>
+                <a:srgbClr val="E1E4E8"/>
+              </a:solidFill>
+              <a:effectLst/>
+              <a:latin typeface="Consolas" panose="020B0609020204030204" pitchFamily="49" charset="0"/>
+            </a:endParaRPr>
+          </a:p>
+          <a:p>
+            <a:pPr marL="0" indent="0">
+              <a:buNone/>
             </a:pPr>
             <a:r>
-              <a:rPr lang="en-US" dirty="0"/>
-              <a:t>How they should be tested ?</a:t>
-            </a:r>
+              <a:rPr lang="en-US" sz="1600" dirty="0"/>
+              <a:t>&lt;  </a:t>
+            </a:r>
+            <a:r>
+              <a:rPr lang="en-US" sz="1600" b="0" dirty="0">
+                <a:solidFill>
+                  <a:srgbClr val="7030A0"/>
+                </a:solidFill>
+                <a:effectLst/>
+                <a:latin typeface="Consolas" panose="020B0609020204030204" pitchFamily="49" charset="0"/>
+              </a:rPr>
+              <a:t>10</a:t>
+            </a:r>
+          </a:p>
+          <a:p>
+            <a:pPr marL="0" indent="0">
+              <a:buNone/>
+            </a:pPr>
+            <a:endParaRPr lang="en-US" sz="1600" dirty="0"/>
+          </a:p>
+          <a:p>
+            <a:pPr marL="0" indent="0">
+              <a:buNone/>
+            </a:pPr>
+            <a:r>
+              <a:rPr lang="en-US" sz="1600" dirty="0"/>
+              <a:t>&gt; </a:t>
+            </a:r>
+            <a:r>
+              <a:rPr lang="en-US" sz="1600" b="0" dirty="0">
+                <a:solidFill>
+                  <a:srgbClr val="79B8FF"/>
+                </a:solidFill>
+                <a:effectLst/>
+                <a:latin typeface="Consolas" panose="020B0609020204030204" pitchFamily="49" charset="0"/>
+              </a:rPr>
+              <a:t>5</a:t>
+            </a:r>
+            <a:r>
+              <a:rPr lang="en-US" sz="1600" b="0" dirty="0">
+                <a:solidFill>
+                  <a:srgbClr val="E1E4E8"/>
+                </a:solidFill>
+                <a:effectLst/>
+                <a:latin typeface="Consolas" panose="020B0609020204030204" pitchFamily="49" charset="0"/>
+              </a:rPr>
+              <a:t> </a:t>
+            </a:r>
+            <a:r>
+              <a:rPr lang="en-US" sz="1600" b="0" dirty="0">
+                <a:solidFill>
+                  <a:srgbClr val="F97583"/>
+                </a:solidFill>
+                <a:effectLst/>
+                <a:latin typeface="Consolas" panose="020B0609020204030204" pitchFamily="49" charset="0"/>
+              </a:rPr>
+              <a:t>+</a:t>
+            </a:r>
+            <a:r>
+              <a:rPr lang="en-US" sz="1600" b="0" dirty="0">
+                <a:solidFill>
+                  <a:srgbClr val="9ECBFF"/>
+                </a:solidFill>
+                <a:effectLst/>
+                <a:latin typeface="Consolas" panose="020B0609020204030204" pitchFamily="49" charset="0"/>
+              </a:rPr>
+              <a:t>'5'</a:t>
+            </a:r>
+            <a:endParaRPr lang="en-US" sz="1600" b="0" dirty="0">
+              <a:solidFill>
+                <a:srgbClr val="E1E4E8"/>
+              </a:solidFill>
+              <a:effectLst/>
+              <a:latin typeface="Consolas" panose="020B0609020204030204" pitchFamily="49" charset="0"/>
+            </a:endParaRPr>
+          </a:p>
+          <a:p>
+            <a:pPr marL="0" indent="0">
+              <a:buNone/>
+            </a:pPr>
+            <a:r>
+              <a:rPr lang="en-US" sz="1600" dirty="0"/>
+              <a:t>&lt; </a:t>
+            </a:r>
+            <a:r>
+              <a:rPr lang="en-US" sz="1600" dirty="0">
+                <a:solidFill>
+                  <a:srgbClr val="00B050"/>
+                </a:solidFill>
+              </a:rPr>
+              <a:t>‘55’</a:t>
+            </a:r>
+          </a:p>
+          <a:p>
+            <a:pPr marL="0" indent="0">
+              <a:buNone/>
+            </a:pPr>
+            <a:endParaRPr lang="en-US" sz="1600" dirty="0"/>
+          </a:p>
+          <a:p>
+            <a:pPr marL="0" indent="0">
+              <a:buNone/>
+            </a:pPr>
+            <a:r>
+              <a:rPr lang="en-US" sz="1600" dirty="0"/>
+              <a:t>&gt;</a:t>
+            </a:r>
+            <a:r>
+              <a:rPr lang="en-US" sz="1600" b="0" dirty="0">
+                <a:solidFill>
+                  <a:srgbClr val="9ECBFF"/>
+                </a:solidFill>
+                <a:effectLst/>
+                <a:latin typeface="Consolas" panose="020B0609020204030204" pitchFamily="49" charset="0"/>
+              </a:rPr>
+              <a:t>'5'</a:t>
+            </a:r>
+            <a:r>
+              <a:rPr lang="en-US" sz="1600" b="0" dirty="0">
+                <a:solidFill>
+                  <a:srgbClr val="F97583"/>
+                </a:solidFill>
+                <a:effectLst/>
+                <a:latin typeface="Consolas" panose="020B0609020204030204" pitchFamily="49" charset="0"/>
+              </a:rPr>
+              <a:t>+</a:t>
+            </a:r>
+            <a:r>
+              <a:rPr lang="en-US" sz="1600" b="0" dirty="0">
+                <a:solidFill>
+                  <a:srgbClr val="E1E4E8"/>
+                </a:solidFill>
+                <a:effectLst/>
+                <a:latin typeface="Consolas" panose="020B0609020204030204" pitchFamily="49" charset="0"/>
+              </a:rPr>
+              <a:t> </a:t>
+            </a:r>
+            <a:r>
+              <a:rPr lang="en-US" sz="1600" b="0" dirty="0">
+                <a:solidFill>
+                  <a:srgbClr val="79B8FF"/>
+                </a:solidFill>
+                <a:effectLst/>
+                <a:latin typeface="Consolas" panose="020B0609020204030204" pitchFamily="49" charset="0"/>
+              </a:rPr>
+              <a:t>5</a:t>
+            </a:r>
+            <a:endParaRPr lang="en-US" sz="1600" b="0" dirty="0">
+              <a:solidFill>
+                <a:srgbClr val="E1E4E8"/>
+              </a:solidFill>
+              <a:effectLst/>
+              <a:latin typeface="Consolas" panose="020B0609020204030204" pitchFamily="49" charset="0"/>
+            </a:endParaRPr>
+          </a:p>
+          <a:p>
+            <a:pPr marL="0" indent="0">
+              <a:buNone/>
+            </a:pPr>
+            <a:r>
+              <a:rPr lang="en-US" sz="1600" dirty="0"/>
+              <a:t>&lt; </a:t>
+            </a:r>
+            <a:r>
+              <a:rPr lang="en-US" sz="1600" dirty="0">
+                <a:solidFill>
+                  <a:srgbClr val="00B050"/>
+                </a:solidFill>
+              </a:rPr>
+              <a:t>‘55’</a:t>
+            </a:r>
+          </a:p>
+          <a:p>
+            <a:pPr marL="0" indent="0">
+              <a:buNone/>
+            </a:pPr>
+            <a:endParaRPr lang="en-US" sz="1600" dirty="0">
+              <a:solidFill>
+                <a:srgbClr val="00B050"/>
+              </a:solidFill>
+            </a:endParaRPr>
+          </a:p>
+          <a:p>
+            <a:pPr marL="0" indent="0">
+              <a:buNone/>
+            </a:pPr>
+            <a:r>
+              <a:rPr lang="en-US" sz="1600" dirty="0"/>
+              <a:t>&gt;</a:t>
+            </a:r>
+            <a:r>
+              <a:rPr lang="en-US" sz="1600" b="0" dirty="0">
+                <a:solidFill>
+                  <a:srgbClr val="79B8FF"/>
+                </a:solidFill>
+                <a:effectLst/>
+                <a:latin typeface="Consolas" panose="020B0609020204030204" pitchFamily="49" charset="0"/>
+              </a:rPr>
+              <a:t>5</a:t>
+            </a:r>
+            <a:r>
+              <a:rPr lang="en-US" sz="1600" b="0" dirty="0">
+                <a:solidFill>
+                  <a:srgbClr val="E1E4E8"/>
+                </a:solidFill>
+                <a:effectLst/>
+                <a:latin typeface="Consolas" panose="020B0609020204030204" pitchFamily="49" charset="0"/>
+              </a:rPr>
+              <a:t> </a:t>
+            </a:r>
+            <a:r>
+              <a:rPr lang="en-US" sz="1600" b="0" dirty="0">
+                <a:solidFill>
+                  <a:srgbClr val="F97583"/>
+                </a:solidFill>
+                <a:effectLst/>
+                <a:latin typeface="Consolas" panose="020B0609020204030204" pitchFamily="49" charset="0"/>
+              </a:rPr>
+              <a:t>+</a:t>
+            </a:r>
+            <a:r>
+              <a:rPr lang="en-US" sz="1600" b="0" dirty="0">
+                <a:solidFill>
+                  <a:srgbClr val="E1E4E8"/>
+                </a:solidFill>
+                <a:effectLst/>
+                <a:latin typeface="Consolas" panose="020B0609020204030204" pitchFamily="49" charset="0"/>
+              </a:rPr>
+              <a:t> </a:t>
+            </a:r>
+            <a:r>
+              <a:rPr lang="en-US" sz="1600" b="0" dirty="0">
+                <a:solidFill>
+                  <a:srgbClr val="F97583"/>
+                </a:solidFill>
+                <a:effectLst/>
+                <a:latin typeface="Consolas" panose="020B0609020204030204" pitchFamily="49" charset="0"/>
+              </a:rPr>
+              <a:t>+</a:t>
+            </a:r>
+            <a:r>
+              <a:rPr lang="en-US" sz="1600" b="0" dirty="0">
+                <a:solidFill>
+                  <a:srgbClr val="E1E4E8"/>
+                </a:solidFill>
+                <a:effectLst/>
+                <a:latin typeface="Consolas" panose="020B0609020204030204" pitchFamily="49" charset="0"/>
+              </a:rPr>
+              <a:t> </a:t>
+            </a:r>
+            <a:r>
+              <a:rPr lang="en-US" sz="1600" b="0" dirty="0">
+                <a:solidFill>
+                  <a:srgbClr val="9ECBFF"/>
+                </a:solidFill>
+                <a:effectLst/>
+                <a:latin typeface="Consolas" panose="020B0609020204030204" pitchFamily="49" charset="0"/>
+              </a:rPr>
+              <a:t>'5'</a:t>
+            </a:r>
+            <a:endParaRPr lang="en-US" sz="1600" b="0" dirty="0">
+              <a:solidFill>
+                <a:srgbClr val="E1E4E8"/>
+              </a:solidFill>
+              <a:effectLst/>
+              <a:latin typeface="Consolas" panose="020B0609020204030204" pitchFamily="49" charset="0"/>
+            </a:endParaRPr>
+          </a:p>
+          <a:p>
+            <a:pPr marL="0" indent="0">
+              <a:buNone/>
+            </a:pPr>
+            <a:r>
+              <a:rPr lang="en-US" sz="1600" dirty="0"/>
+              <a:t>&lt; </a:t>
+            </a:r>
+            <a:r>
+              <a:rPr lang="en-US" sz="1600" dirty="0">
+                <a:solidFill>
+                  <a:srgbClr val="7030A0"/>
+                </a:solidFill>
+              </a:rPr>
+              <a:t>10</a:t>
+            </a:r>
+          </a:p>
+          <a:p>
+            <a:pPr marL="0" indent="0">
+              <a:buNone/>
+            </a:pPr>
+            <a:endParaRPr lang="en-US" sz="1600" dirty="0">
+              <a:solidFill>
+                <a:srgbClr val="00B050"/>
+              </a:solidFill>
+            </a:endParaRPr>
+          </a:p>
+          <a:p>
+            <a:pPr marL="0" indent="0">
+              <a:buNone/>
+            </a:pPr>
+            <a:endParaRPr lang="en-US" sz="1050" dirty="0"/>
+          </a:p>
+          <a:p>
+            <a:pPr marL="0" indent="0">
+              <a:buNone/>
+            </a:pPr>
+            <a:endParaRPr lang="en-US" sz="1050" dirty="0"/>
+          </a:p>
+          <a:p>
+            <a:pPr marL="0" indent="0">
+              <a:buNone/>
+            </a:pPr>
+            <a:endParaRPr lang="en-US" sz="1050" dirty="0"/>
+          </a:p>
+          <a:p>
+            <a:pPr marL="0" indent="0">
+              <a:buNone/>
+            </a:pPr>
+            <a:endParaRPr lang="en-US" sz="1050" dirty="0"/>
+          </a:p>
+          <a:p>
+            <a:pPr marL="0" indent="0">
+              <a:buNone/>
+            </a:pPr>
+            <a:endParaRPr lang="en-US" sz="1050" dirty="0"/>
+          </a:p>
+        </p:txBody>
+      </p:sp>
+      <p:pic>
+        <p:nvPicPr>
+          <p:cNvPr id="8" name="Content Placeholder 7" descr="A person with long hair and beard&#10;&#10;Description automatically generated">
+            <a:extLst>
+              <a:ext uri="{FF2B5EF4-FFF2-40B4-BE49-F238E27FC236}">
+                <a16:creationId xmlns:a16="http://schemas.microsoft.com/office/drawing/2014/main" id="{B5374463-2FA6-F9EC-329F-ABE2B0227F64}"/>
+              </a:ext>
+            </a:extLst>
+          </p:cNvPr>
+          <p:cNvPicPr>
+            <a:picLocks noGrp="1" noChangeAspect="1"/>
+          </p:cNvPicPr>
+          <p:nvPr>
+            <p:ph sz="half" idx="2"/>
+          </p:nvPr>
+        </p:nvPicPr>
+        <p:blipFill>
+          <a:blip r:embed="rId2">
+            <a:extLst>
+              <a:ext uri="{28A0092B-C50C-407E-A947-70E740481C1C}">
+                <a14:useLocalDpi xmlns:a14="http://schemas.microsoft.com/office/drawing/2010/main" val="0"/>
+              </a:ext>
+            </a:extLst>
+          </a:blip>
+          <a:stretch>
+            <a:fillRect/>
+          </a:stretch>
+        </p:blipFill>
+        <p:spPr>
+          <a:xfrm>
+            <a:off x="6603889" y="2121048"/>
+            <a:ext cx="4318222" cy="2679838"/>
+          </a:xfrm>
+        </p:spPr>
+      </p:pic>
+      <p:sp>
+        <p:nvSpPr>
+          <p:cNvPr id="6" name="Content Placeholder 3">
+            <a:extLst>
+              <a:ext uri="{FF2B5EF4-FFF2-40B4-BE49-F238E27FC236}">
+                <a16:creationId xmlns:a16="http://schemas.microsoft.com/office/drawing/2014/main" id="{6FC8FF5B-DE66-02AF-8C48-E5B06478280B}"/>
+              </a:ext>
+            </a:extLst>
+          </p:cNvPr>
+          <p:cNvSpPr txBox="1">
+            <a:spLocks/>
+          </p:cNvSpPr>
+          <p:nvPr/>
+        </p:nvSpPr>
+        <p:spPr>
+          <a:xfrm>
+            <a:off x="3302924" y="1784060"/>
+            <a:ext cx="2168236" cy="4351338"/>
+          </a:xfrm>
+          <a:prstGeom prst="rect">
+            <a:avLst/>
+          </a:prstGeom>
+        </p:spPr>
+        <p:txBody>
+          <a:bodyPr vert="horz" lIns="91440" tIns="45720" rIns="91440" bIns="45720" rtlCol="0">
+            <a:normAutofit/>
+          </a:bodyPr>
+          <a:lstStyle>
+            <a:lvl1pPr marL="228600" indent="-228600" algn="l" defTabSz="914400" rtl="0" eaLnBrk="1" latinLnBrk="0" hangingPunct="1">
+              <a:lnSpc>
+                <a:spcPct val="90000"/>
+              </a:lnSpc>
+              <a:spcBef>
+                <a:spcPts val="1000"/>
+              </a:spcBef>
+              <a:buFont typeface="Arial" panose="020B0604020202020204" pitchFamily="34" charset="0"/>
+              <a:buChar char="•"/>
+              <a:defRPr sz="2800" kern="1200">
+                <a:solidFill>
+                  <a:schemeClr val="tx1"/>
+                </a:solidFill>
+                <a:latin typeface="+mn-lt"/>
+                <a:ea typeface="+mn-ea"/>
+                <a:cs typeface="+mn-cs"/>
+              </a:defRPr>
+            </a:lvl1pPr>
+            <a:lvl2pPr marL="685800" indent="-228600" algn="l" defTabSz="914400" rtl="0" eaLnBrk="1" latinLnBrk="0" hangingPunct="1">
+              <a:lnSpc>
+                <a:spcPct val="90000"/>
+              </a:lnSpc>
+              <a:spcBef>
+                <a:spcPts val="500"/>
+              </a:spcBef>
+              <a:buFont typeface="Arial" panose="020B0604020202020204" pitchFamily="34" charset="0"/>
+              <a:buChar char="•"/>
+              <a:defRPr sz="2400" kern="1200">
+                <a:solidFill>
+                  <a:schemeClr val="tx1"/>
+                </a:solidFill>
+                <a:latin typeface="+mn-lt"/>
+                <a:ea typeface="+mn-ea"/>
+                <a:cs typeface="+mn-cs"/>
+              </a:defRPr>
+            </a:lvl2pPr>
+            <a:lvl3pPr marL="1143000" indent="-228600" algn="l" defTabSz="914400" rtl="0" eaLnBrk="1" latinLnBrk="0" hangingPunct="1">
+              <a:lnSpc>
+                <a:spcPct val="90000"/>
+              </a:lnSpc>
+              <a:spcBef>
+                <a:spcPts val="500"/>
+              </a:spcBef>
+              <a:buFont typeface="Arial" panose="020B0604020202020204" pitchFamily="34" charset="0"/>
+              <a:buChar char="•"/>
+              <a:defRPr sz="2000" kern="1200">
+                <a:solidFill>
+                  <a:schemeClr val="tx1"/>
+                </a:solidFill>
+                <a:latin typeface="+mn-lt"/>
+                <a:ea typeface="+mn-ea"/>
+                <a:cs typeface="+mn-cs"/>
+              </a:defRPr>
+            </a:lvl3pPr>
+            <a:lvl4pPr marL="1600200" indent="-228600" algn="l" defTabSz="914400" rtl="0" eaLnBrk="1" latinLnBrk="0" hangingPunct="1">
+              <a:lnSpc>
+                <a:spcPct val="90000"/>
+              </a:lnSpc>
+              <a:spcBef>
+                <a:spcPts val="500"/>
+              </a:spcBef>
+              <a:buFont typeface="Arial" panose="020B0604020202020204" pitchFamily="34" charset="0"/>
+              <a:buChar char="•"/>
+              <a:defRPr sz="1800" kern="1200">
+                <a:solidFill>
+                  <a:schemeClr val="tx1"/>
+                </a:solidFill>
+                <a:latin typeface="+mn-lt"/>
+                <a:ea typeface="+mn-ea"/>
+                <a:cs typeface="+mn-cs"/>
+              </a:defRPr>
+            </a:lvl4pPr>
+            <a:lvl5pPr marL="2057400" indent="-228600" algn="l" defTabSz="914400" rtl="0" eaLnBrk="1" latinLnBrk="0" hangingPunct="1">
+              <a:lnSpc>
+                <a:spcPct val="90000"/>
+              </a:lnSpc>
+              <a:spcBef>
+                <a:spcPts val="500"/>
+              </a:spcBef>
+              <a:buFont typeface="Arial" panose="020B0604020202020204" pitchFamily="34" charset="0"/>
+              <a:buChar char="•"/>
+              <a:defRPr sz="1800" kern="1200">
+                <a:solidFill>
+                  <a:schemeClr val="tx1"/>
+                </a:solidFill>
+                <a:latin typeface="+mn-lt"/>
+                <a:ea typeface="+mn-ea"/>
+                <a:cs typeface="+mn-cs"/>
+              </a:defRPr>
+            </a:lvl5pPr>
+            <a:lvl6pPr marL="2514600" indent="-228600" algn="l" defTabSz="914400" rtl="0" eaLnBrk="1" latinLnBrk="0" hangingPunct="1">
+              <a:lnSpc>
+                <a:spcPct val="90000"/>
+              </a:lnSpc>
+              <a:spcBef>
+                <a:spcPts val="500"/>
+              </a:spcBef>
+              <a:buFont typeface="Arial" panose="020B0604020202020204" pitchFamily="34" charset="0"/>
+              <a:buChar char="•"/>
+              <a:defRPr sz="1800" kern="1200">
+                <a:solidFill>
+                  <a:schemeClr val="tx1"/>
+                </a:solidFill>
+                <a:latin typeface="+mn-lt"/>
+                <a:ea typeface="+mn-ea"/>
+                <a:cs typeface="+mn-cs"/>
+              </a:defRPr>
+            </a:lvl6pPr>
+            <a:lvl7pPr marL="2971800" indent="-228600" algn="l" defTabSz="914400" rtl="0" eaLnBrk="1" latinLnBrk="0" hangingPunct="1">
+              <a:lnSpc>
+                <a:spcPct val="90000"/>
+              </a:lnSpc>
+              <a:spcBef>
+                <a:spcPts val="500"/>
+              </a:spcBef>
+              <a:buFont typeface="Arial" panose="020B0604020202020204" pitchFamily="34" charset="0"/>
+              <a:buChar char="•"/>
+              <a:defRPr sz="1800" kern="1200">
+                <a:solidFill>
+                  <a:schemeClr val="tx1"/>
+                </a:solidFill>
+                <a:latin typeface="+mn-lt"/>
+                <a:ea typeface="+mn-ea"/>
+                <a:cs typeface="+mn-cs"/>
+              </a:defRPr>
+            </a:lvl7pPr>
+            <a:lvl8pPr marL="3429000" indent="-228600" algn="l" defTabSz="914400" rtl="0" eaLnBrk="1" latinLnBrk="0" hangingPunct="1">
+              <a:lnSpc>
+                <a:spcPct val="90000"/>
+              </a:lnSpc>
+              <a:spcBef>
+                <a:spcPts val="500"/>
+              </a:spcBef>
+              <a:buFont typeface="Arial" panose="020B0604020202020204" pitchFamily="34" charset="0"/>
+              <a:buChar char="•"/>
+              <a:defRPr sz="1800" kern="1200">
+                <a:solidFill>
+                  <a:schemeClr val="tx1"/>
+                </a:solidFill>
+                <a:latin typeface="+mn-lt"/>
+                <a:ea typeface="+mn-ea"/>
+                <a:cs typeface="+mn-cs"/>
+              </a:defRPr>
+            </a:lvl8pPr>
+            <a:lvl9pPr marL="3886200" indent="-228600" algn="l" defTabSz="914400" rtl="0" eaLnBrk="1" latinLnBrk="0" hangingPunct="1">
+              <a:lnSpc>
+                <a:spcPct val="90000"/>
+              </a:lnSpc>
+              <a:spcBef>
+                <a:spcPts val="500"/>
+              </a:spcBef>
+              <a:buFont typeface="Arial" panose="020B0604020202020204" pitchFamily="34" charset="0"/>
+              <a:buChar char="•"/>
+              <a:defRPr sz="1800" kern="1200">
+                <a:solidFill>
+                  <a:schemeClr val="tx1"/>
+                </a:solidFill>
+                <a:latin typeface="+mn-lt"/>
+                <a:ea typeface="+mn-ea"/>
+                <a:cs typeface="+mn-cs"/>
+              </a:defRPr>
+            </a:lvl9pPr>
+          </a:lstStyle>
+          <a:p>
+            <a:pPr marL="0" indent="0">
+              <a:buNone/>
+            </a:pPr>
+            <a:r>
+              <a:rPr lang="en-US" sz="1600" dirty="0"/>
+              <a:t>&gt; </a:t>
+            </a:r>
+            <a:r>
+              <a:rPr lang="en-US" sz="1600" b="0" dirty="0">
+                <a:solidFill>
+                  <a:srgbClr val="9ECBFF"/>
+                </a:solidFill>
+                <a:effectLst/>
+                <a:latin typeface="Consolas" panose="020B0609020204030204" pitchFamily="49" charset="0"/>
+              </a:rPr>
+              <a:t>'5'</a:t>
+            </a:r>
+            <a:r>
+              <a:rPr lang="en-US" sz="1600" b="0" dirty="0">
+                <a:solidFill>
+                  <a:srgbClr val="E1E4E8"/>
+                </a:solidFill>
+                <a:effectLst/>
+                <a:latin typeface="Consolas" panose="020B0609020204030204" pitchFamily="49" charset="0"/>
+              </a:rPr>
+              <a:t> </a:t>
+            </a:r>
+            <a:r>
+              <a:rPr lang="en-US" sz="1600" b="0" dirty="0">
+                <a:solidFill>
+                  <a:srgbClr val="F97583"/>
+                </a:solidFill>
+                <a:effectLst/>
+                <a:latin typeface="Consolas" panose="020B0609020204030204" pitchFamily="49" charset="0"/>
+              </a:rPr>
+              <a:t>+</a:t>
+            </a:r>
+            <a:r>
+              <a:rPr lang="en-US" sz="1600" b="0" dirty="0">
+                <a:solidFill>
+                  <a:srgbClr val="E1E4E8"/>
+                </a:solidFill>
+                <a:effectLst/>
+                <a:latin typeface="Consolas" panose="020B0609020204030204" pitchFamily="49" charset="0"/>
+              </a:rPr>
+              <a:t> </a:t>
+            </a:r>
+            <a:r>
+              <a:rPr lang="en-US" sz="1600" b="0" dirty="0">
+                <a:solidFill>
+                  <a:srgbClr val="F97583"/>
+                </a:solidFill>
+                <a:effectLst/>
+                <a:latin typeface="Consolas" panose="020B0609020204030204" pitchFamily="49" charset="0"/>
+              </a:rPr>
+              <a:t>+</a:t>
+            </a:r>
+            <a:r>
+              <a:rPr lang="en-US" sz="1600" b="0" dirty="0">
+                <a:solidFill>
+                  <a:srgbClr val="E1E4E8"/>
+                </a:solidFill>
+                <a:effectLst/>
+                <a:latin typeface="Consolas" panose="020B0609020204030204" pitchFamily="49" charset="0"/>
+              </a:rPr>
+              <a:t> </a:t>
+            </a:r>
+            <a:r>
+              <a:rPr lang="en-US" sz="1600" b="0" dirty="0">
+                <a:solidFill>
+                  <a:srgbClr val="79B8FF"/>
+                </a:solidFill>
+                <a:effectLst/>
+                <a:latin typeface="Consolas" panose="020B0609020204030204" pitchFamily="49" charset="0"/>
+              </a:rPr>
+              <a:t>5</a:t>
+            </a:r>
+            <a:endParaRPr lang="en-US" sz="1600" dirty="0"/>
+          </a:p>
+          <a:p>
+            <a:pPr marL="0" indent="0">
+              <a:buNone/>
+            </a:pPr>
+            <a:r>
+              <a:rPr lang="en-US" sz="1600" dirty="0"/>
+              <a:t>&lt; </a:t>
+            </a:r>
+            <a:r>
+              <a:rPr lang="en-US" sz="1600" dirty="0">
+                <a:solidFill>
+                  <a:schemeClr val="accent6"/>
+                </a:solidFill>
+              </a:rPr>
+              <a:t>‘55’</a:t>
+            </a:r>
+          </a:p>
+          <a:p>
+            <a:pPr marL="0" indent="0">
+              <a:buNone/>
+            </a:pPr>
+            <a:endParaRPr lang="en-US" sz="1600" dirty="0">
+              <a:solidFill>
+                <a:srgbClr val="7030A0"/>
+              </a:solidFill>
+            </a:endParaRPr>
+          </a:p>
+          <a:p>
+            <a:pPr marL="0" indent="0">
+              <a:buNone/>
+            </a:pPr>
+            <a:r>
+              <a:rPr lang="en-US" sz="1600" dirty="0"/>
+              <a:t>&gt; </a:t>
+            </a:r>
+            <a:r>
+              <a:rPr lang="en-US" sz="1600" b="0" dirty="0">
+                <a:solidFill>
+                  <a:srgbClr val="9ECBFF"/>
+                </a:solidFill>
+                <a:effectLst/>
+                <a:latin typeface="Consolas" panose="020B0609020204030204" pitchFamily="49" charset="0"/>
+              </a:rPr>
+              <a:t>'5'</a:t>
+            </a:r>
+            <a:r>
+              <a:rPr lang="en-US" sz="1600" b="0" dirty="0">
+                <a:solidFill>
+                  <a:srgbClr val="E1E4E8"/>
+                </a:solidFill>
+                <a:effectLst/>
+                <a:latin typeface="Consolas" panose="020B0609020204030204" pitchFamily="49" charset="0"/>
+              </a:rPr>
+              <a:t> </a:t>
+            </a:r>
+            <a:r>
+              <a:rPr lang="en-US" sz="1600" b="0" dirty="0">
+                <a:solidFill>
+                  <a:srgbClr val="F97583"/>
+                </a:solidFill>
+                <a:effectLst/>
+                <a:latin typeface="Consolas" panose="020B0609020204030204" pitchFamily="49" charset="0"/>
+              </a:rPr>
+              <a:t>-</a:t>
+            </a:r>
+            <a:r>
+              <a:rPr lang="en-US" sz="1600" b="0" dirty="0">
+                <a:solidFill>
+                  <a:srgbClr val="E1E4E8"/>
+                </a:solidFill>
+                <a:effectLst/>
+                <a:latin typeface="Consolas" panose="020B0609020204030204" pitchFamily="49" charset="0"/>
+              </a:rPr>
+              <a:t> </a:t>
+            </a:r>
+            <a:r>
+              <a:rPr lang="en-US" sz="1600" b="0" dirty="0">
+                <a:solidFill>
+                  <a:srgbClr val="F97583"/>
+                </a:solidFill>
+                <a:effectLst/>
+                <a:latin typeface="Consolas" panose="020B0609020204030204" pitchFamily="49" charset="0"/>
+              </a:rPr>
+              <a:t>-</a:t>
+            </a:r>
+            <a:r>
+              <a:rPr lang="en-US" sz="1600" b="0" dirty="0">
+                <a:solidFill>
+                  <a:srgbClr val="E1E4E8"/>
+                </a:solidFill>
+                <a:effectLst/>
+                <a:latin typeface="Consolas" panose="020B0609020204030204" pitchFamily="49" charset="0"/>
+              </a:rPr>
+              <a:t> </a:t>
+            </a:r>
+            <a:r>
+              <a:rPr lang="en-US" sz="1600" b="0" dirty="0">
+                <a:solidFill>
+                  <a:srgbClr val="79B8FF"/>
+                </a:solidFill>
+                <a:effectLst/>
+                <a:latin typeface="Consolas" panose="020B0609020204030204" pitchFamily="49" charset="0"/>
+              </a:rPr>
+              <a:t>5</a:t>
+            </a:r>
+          </a:p>
+          <a:p>
+            <a:pPr marL="0" indent="0">
+              <a:buNone/>
+            </a:pPr>
+            <a:r>
+              <a:rPr lang="en-US" sz="1600" dirty="0"/>
+              <a:t>&lt; </a:t>
+            </a:r>
+            <a:r>
+              <a:rPr lang="en-US" sz="1600" dirty="0">
+                <a:solidFill>
+                  <a:srgbClr val="7030A0"/>
+                </a:solidFill>
+              </a:rPr>
+              <a:t>10</a:t>
+            </a:r>
+          </a:p>
+          <a:p>
+            <a:pPr marL="0" indent="0">
+              <a:buNone/>
+            </a:pPr>
+            <a:endParaRPr lang="en-US" sz="1600" b="0" dirty="0">
+              <a:solidFill>
+                <a:srgbClr val="E1E4E8"/>
+              </a:solidFill>
+              <a:effectLst/>
+              <a:latin typeface="Consolas" panose="020B0609020204030204" pitchFamily="49" charset="0"/>
+            </a:endParaRPr>
+          </a:p>
+          <a:p>
+            <a:pPr marL="0" indent="0">
+              <a:buNone/>
+            </a:pPr>
+            <a:r>
+              <a:rPr lang="en-US" sz="1600" dirty="0"/>
+              <a:t>&gt; </a:t>
+            </a:r>
+            <a:r>
+              <a:rPr lang="en-US" sz="1600" dirty="0" err="1">
+                <a:solidFill>
+                  <a:schemeClr val="accent5">
+                    <a:lumMod val="60000"/>
+                    <a:lumOff val="40000"/>
+                  </a:schemeClr>
+                </a:solidFill>
+              </a:rPr>
+              <a:t>NaN</a:t>
+            </a:r>
+            <a:r>
+              <a:rPr lang="en-US" sz="1600" dirty="0">
+                <a:solidFill>
+                  <a:schemeClr val="accent5">
+                    <a:lumMod val="60000"/>
+                    <a:lumOff val="40000"/>
+                  </a:schemeClr>
+                </a:solidFill>
+              </a:rPr>
+              <a:t> === </a:t>
+            </a:r>
+            <a:r>
+              <a:rPr lang="en-US" sz="1600" dirty="0" err="1">
+                <a:solidFill>
+                  <a:schemeClr val="accent5">
+                    <a:lumMod val="60000"/>
+                    <a:lumOff val="40000"/>
+                  </a:schemeClr>
+                </a:solidFill>
+              </a:rPr>
+              <a:t>NaN</a:t>
+            </a:r>
+            <a:endParaRPr lang="en-US" sz="1600" dirty="0">
+              <a:solidFill>
+                <a:schemeClr val="accent5">
+                  <a:lumMod val="60000"/>
+                  <a:lumOff val="40000"/>
+                </a:schemeClr>
+              </a:solidFill>
+            </a:endParaRPr>
+          </a:p>
+          <a:p>
+            <a:pPr marL="0" indent="0">
+              <a:buNone/>
+            </a:pPr>
+            <a:r>
+              <a:rPr lang="en-US" sz="1600" dirty="0"/>
+              <a:t>&lt; </a:t>
+            </a:r>
+            <a:r>
+              <a:rPr lang="en-US" sz="1600" dirty="0">
+                <a:solidFill>
+                  <a:srgbClr val="7030A0"/>
+                </a:solidFill>
+              </a:rPr>
+              <a:t>false</a:t>
+            </a:r>
+          </a:p>
+          <a:p>
+            <a:pPr marL="0" indent="0">
+              <a:buNone/>
+            </a:pPr>
+            <a:endParaRPr lang="en-US" sz="1600" b="0" dirty="0">
+              <a:solidFill>
+                <a:srgbClr val="E1E4E8"/>
+              </a:solidFill>
+              <a:effectLst/>
+              <a:latin typeface="Consolas" panose="020B0609020204030204" pitchFamily="49" charset="0"/>
+            </a:endParaRPr>
+          </a:p>
+          <a:p>
+            <a:pPr marL="0" indent="0">
+              <a:buFont typeface="Arial" panose="020B0604020202020204" pitchFamily="34" charset="0"/>
+              <a:buNone/>
+            </a:pPr>
+            <a:endParaRPr lang="en-US" sz="1600" dirty="0"/>
+          </a:p>
+          <a:p>
+            <a:pPr marL="0" indent="0">
+              <a:buFont typeface="Arial" panose="020B0604020202020204" pitchFamily="34" charset="0"/>
+              <a:buNone/>
+            </a:pPr>
+            <a:endParaRPr lang="en-US" dirty="0"/>
+          </a:p>
+          <a:p>
+            <a:pPr marL="0" indent="0">
+              <a:buFont typeface="Arial" panose="020B0604020202020204" pitchFamily="34" charset="0"/>
+              <a:buNone/>
+            </a:pPr>
+            <a:endParaRPr lang="en-US" dirty="0"/>
           </a:p>
         </p:txBody>
       </p:sp>
     </p:spTree>
     <p:extLst>
       <p:ext uri="{BB962C8B-B14F-4D97-AF65-F5344CB8AC3E}">
-        <p14:creationId xmlns:p14="http://schemas.microsoft.com/office/powerpoint/2010/main" val="1205694018"/>
+        <p14:creationId xmlns:p14="http://schemas.microsoft.com/office/powerpoint/2010/main" val="4290515562"/>
       </p:ext>
     </p:extLst>
   </p:cSld>
@@ -3814,14 +4564,6 @@
 <file path=ppt/slides/slide4.xml><?xml version="1.0" encoding="utf-8"?>
 <p:sld xmlns:a="http://schemas.openxmlformats.org/drawingml/2006/main" xmlns:r="http://schemas.openxmlformats.org/officeDocument/2006/relationships" xmlns:p="http://schemas.openxmlformats.org/presentationml/2006/main">
   <p:cSld>
-    <p:bg>
-      <p:bgPr>
-        <a:solidFill>
-          <a:srgbClr val="FFFFFF"/>
-        </a:solidFill>
-        <a:effectLst/>
-      </p:bgPr>
-    </p:bg>
     <p:spTree>
       <p:nvGrpSpPr>
         <p:cNvPr id="1" name=""/>
@@ -3841,7 +4583,7 @@
           <p:cNvPr id="2" name="Title 1">
             <a:extLst>
               <a:ext uri="{FF2B5EF4-FFF2-40B4-BE49-F238E27FC236}">
-                <a16:creationId xmlns:a16="http://schemas.microsoft.com/office/drawing/2014/main" id="{680932A7-3F27-2C69-C5DF-D527A2FAB8AF}"/>
+                <a16:creationId xmlns:a16="http://schemas.microsoft.com/office/drawing/2014/main" id="{DE1297CF-FBB0-7F94-D561-35F8B665ACEC}"/>
               </a:ext>
             </a:extLst>
           </p:cNvPr>
@@ -3852,33 +4594,24 @@
             <p:ph type="title"/>
           </p:nvPr>
         </p:nvSpPr>
-        <p:spPr>
-          <a:xfrm>
-            <a:off x="836611" y="1824037"/>
-            <a:ext cx="3932237" cy="1600200"/>
-          </a:xfrm>
-        </p:spPr>
-        <p:txBody>
-          <a:bodyPr/>
-          <a:lstStyle/>
-          <a:p>
-            <a:r>
-              <a:rPr lang="en-US" dirty="0">
-                <a:solidFill>
-                  <a:schemeClr val="bg1"/>
-                </a:solidFill>
-              </a:rPr>
-              <a:t>I asked Chat GPT</a:t>
-            </a:r>
-          </a:p>
-        </p:txBody>
-      </p:sp>
-      <p:sp>
-        <p:nvSpPr>
-          <p:cNvPr id="6" name="Text Placeholder 5">
+        <p:spPr/>
+        <p:txBody>
+          <a:bodyPr/>
+          <a:lstStyle/>
+          <a:p>
+            <a:r>
+              <a:rPr lang="en-US" dirty="0"/>
+              <a:t>Client-side Bugs Analysis</a:t>
+            </a:r>
+          </a:p>
+        </p:txBody>
+      </p:sp>
+      <p:sp>
+        <p:nvSpPr>
+          <p:cNvPr id="3" name="Content Placeholder 2">
             <a:extLst>
               <a:ext uri="{FF2B5EF4-FFF2-40B4-BE49-F238E27FC236}">
-                <a16:creationId xmlns:a16="http://schemas.microsoft.com/office/drawing/2014/main" id="{7DBFC5D9-D24E-EC4F-3E55-5702847ED96D}"/>
+                <a16:creationId xmlns:a16="http://schemas.microsoft.com/office/drawing/2014/main" id="{3F9F5DC1-79B7-7A7B-284D-98DAE6C2876E}"/>
               </a:ext>
             </a:extLst>
           </p:cNvPr>
@@ -3886,36 +4619,120 @@
             <a:spLocks noGrp="1"/>
           </p:cNvSpPr>
           <p:nvPr>
-            <p:ph type="body" sz="half" idx="2"/>
-          </p:nvPr>
-        </p:nvSpPr>
-        <p:spPr>
-          <a:xfrm>
-            <a:off x="836612" y="3424237"/>
-            <a:ext cx="3932237" cy="1866900"/>
-          </a:xfrm>
-        </p:spPr>
-        <p:txBody>
-          <a:bodyPr/>
-          <a:lstStyle/>
-          <a:p>
+            <p:ph sz="half" idx="1"/>
+          </p:nvPr>
+        </p:nvSpPr>
+        <p:spPr/>
+        <p:txBody>
+          <a:bodyPr>
+            <a:normAutofit/>
+          </a:bodyPr>
+          <a:lstStyle/>
+          <a:p>
+            <a:pPr marL="514350" indent="-514350">
+              <a:buFont typeface="+mj-lt"/>
+              <a:buAutoNum type="arabicPeriod"/>
+            </a:pPr>
             <a:r>
               <a:rPr lang="en-US" dirty="0">
                 <a:solidFill>
-                  <a:schemeClr val="bg1"/>
-                </a:solidFill>
-              </a:rPr>
-              <a:t>Build a currency converter.</a:t>
+                  <a:schemeClr val="accent5">
+                    <a:lumMod val="60000"/>
+                    <a:lumOff val="40000"/>
+                  </a:schemeClr>
+                </a:solidFill>
+              </a:rPr>
+              <a:t>83% </a:t>
+            </a:r>
+            <a:r>
+              <a:rPr lang="en-US" dirty="0"/>
+              <a:t>of JavaScript faults are caused by errors manually </a:t>
+            </a:r>
+            <a:r>
+              <a:rPr lang="en-US" dirty="0">
+                <a:solidFill>
+                  <a:schemeClr val="accent5">
+                    <a:lumMod val="60000"/>
+                    <a:lumOff val="40000"/>
+                  </a:schemeClr>
+                </a:solidFill>
+              </a:rPr>
+              <a:t>introduced by JavaScript code programmers </a:t>
+            </a:r>
+          </a:p>
+          <a:p>
+            <a:pPr marL="514350" indent="-514350">
+              <a:buFont typeface="+mj-lt"/>
+              <a:buAutoNum type="arabicPeriod"/>
+            </a:pPr>
+            <a:r>
+              <a:rPr lang="en-US" dirty="0"/>
+              <a:t>Around </a:t>
+            </a:r>
+            <a:r>
+              <a:rPr lang="en-US" dirty="0">
+                <a:solidFill>
+                  <a:schemeClr val="accent5">
+                    <a:lumMod val="60000"/>
+                    <a:lumOff val="40000"/>
+                  </a:schemeClr>
+                </a:solidFill>
+              </a:rPr>
+              <a:t>68% </a:t>
+            </a:r>
+            <a:r>
+              <a:rPr lang="en-US" dirty="0"/>
+              <a:t>of JavaScript faults are </a:t>
+            </a:r>
+            <a:r>
+              <a:rPr lang="en-US" dirty="0">
+                <a:solidFill>
+                  <a:schemeClr val="accent5">
+                    <a:lumMod val="60000"/>
+                    <a:lumOff val="40000"/>
+                  </a:schemeClr>
+                </a:solidFill>
+              </a:rPr>
+              <a:t>DOM-related</a:t>
+            </a:r>
+            <a:r>
+              <a:rPr lang="en-US" dirty="0"/>
+              <a:t>;</a:t>
+            </a:r>
+          </a:p>
+          <a:p>
+            <a:pPr marL="514350" indent="-514350">
+              <a:buFont typeface="+mj-lt"/>
+              <a:buAutoNum type="arabicPeriod"/>
+            </a:pPr>
+            <a:r>
+              <a:rPr lang="en-US" dirty="0"/>
+              <a:t>DOM-related faults </a:t>
+            </a:r>
+            <a:r>
+              <a:rPr lang="en-US" dirty="0">
+                <a:solidFill>
+                  <a:schemeClr val="accent5">
+                    <a:lumMod val="60000"/>
+                    <a:lumOff val="40000"/>
+                  </a:schemeClr>
+                </a:solidFill>
+              </a:rPr>
+              <a:t>take longer </a:t>
+            </a:r>
+            <a:r>
+              <a:rPr lang="en-US" dirty="0"/>
+              <a:t>to fix than non-DOM-related faults.</a:t>
             </a:r>
           </a:p>
         </p:txBody>
       </p:sp>
       <p:pic>
         <p:nvPicPr>
-          <p:cNvPr id="16" name="Picture Placeholder 15" descr="A screenshot of a computer&#10;&#10;Description automatically generated">
+          <p:cNvPr id="6" name="Content Placeholder 5">
             <a:extLst>
               <a:ext uri="{FF2B5EF4-FFF2-40B4-BE49-F238E27FC236}">
-                <a16:creationId xmlns:a16="http://schemas.microsoft.com/office/drawing/2014/main" id="{88360FE7-7DA2-EEC2-56DC-E4BF8B8C615E}"/>
+                <a16:creationId xmlns:a16="http://schemas.microsoft.com/office/drawing/2014/main" id="{C3A9BC80-2215-91A5-F5E3-1252DCF81AFD}"/>
               </a:ext>
             </a:extLst>
           </p:cNvPr>
@@ -3923,31 +4740,61 @@
             <a:picLocks noGrp="1" noChangeAspect="1"/>
           </p:cNvPicPr>
           <p:nvPr>
-            <p:ph type="pic" idx="1"/>
+            <p:ph sz="half" idx="2"/>
           </p:nvPr>
         </p:nvPicPr>
-        <p:blipFill rotWithShape="1">
-          <a:blip r:embed="rId2">
-            <a:extLst>
-              <a:ext uri="{28A0092B-C50C-407E-A947-70E740481C1C}">
-                <a14:useLocalDpi xmlns:a14="http://schemas.microsoft.com/office/drawing/2010/main" val="0"/>
-              </a:ext>
-            </a:extLst>
-          </a:blip>
-          <a:srcRect l="-367" t="-23654" r="-2084" b="-14138"/>
-          <a:stretch/>
+        <p:blipFill>
+          <a:blip r:embed="rId2"/>
+          <a:stretch>
+            <a:fillRect/>
+          </a:stretch>
         </p:blipFill>
         <p:spPr>
           <a:xfrm>
-            <a:off x="5183188" y="987425"/>
-            <a:ext cx="6172200" cy="4873625"/>
+            <a:off x="6258699" y="1825625"/>
+            <a:ext cx="5008602" cy="4351338"/>
           </a:xfrm>
         </p:spPr>
       </p:pic>
+      <p:sp>
+        <p:nvSpPr>
+          <p:cNvPr id="7" name="TextBox 6">
+            <a:extLst>
+              <a:ext uri="{FF2B5EF4-FFF2-40B4-BE49-F238E27FC236}">
+                <a16:creationId xmlns:a16="http://schemas.microsoft.com/office/drawing/2014/main" id="{4D33A642-D880-A636-A801-7966A24D6126}"/>
+              </a:ext>
+            </a:extLst>
+          </p:cNvPr>
+          <p:cNvSpPr txBox="1"/>
+          <p:nvPr/>
+        </p:nvSpPr>
+        <p:spPr>
+          <a:xfrm>
+            <a:off x="6860926" y="6311900"/>
+            <a:ext cx="4282203" cy="246221"/>
+          </a:xfrm>
+          <a:prstGeom prst="rect">
+            <a:avLst/>
+          </a:prstGeom>
+          <a:noFill/>
+        </p:spPr>
+        <p:txBody>
+          <a:bodyPr wrap="square" rtlCol="0">
+            <a:spAutoFit/>
+          </a:bodyPr>
+          <a:lstStyle/>
+          <a:p>
+            <a:r>
+              <a:rPr lang="en-US" sz="1000" dirty="0"/>
+              <a:t>[1] A Study of Causes and Consequences of Client-Side JavaScript Bugs</a:t>
+            </a:r>
+          </a:p>
+        </p:txBody>
+      </p:sp>
     </p:spTree>
     <p:extLst>
       <p:ext uri="{BB962C8B-B14F-4D97-AF65-F5344CB8AC3E}">
-        <p14:creationId xmlns:p14="http://schemas.microsoft.com/office/powerpoint/2010/main" val="2638335502"/>
+        <p14:creationId xmlns:p14="http://schemas.microsoft.com/office/powerpoint/2010/main" val="2516989740"/>
       </p:ext>
     </p:extLst>
   </p:cSld>
@@ -3960,14 +4807,6 @@
 <file path=ppt/slides/slide5.xml><?xml version="1.0" encoding="utf-8"?>
 <p:sld xmlns:a="http://schemas.openxmlformats.org/drawingml/2006/main" xmlns:r="http://schemas.openxmlformats.org/officeDocument/2006/relationships" xmlns:p="http://schemas.openxmlformats.org/presentationml/2006/main">
   <p:cSld>
-    <p:bg>
-      <p:bgPr>
-        <a:solidFill>
-          <a:srgbClr val="FFFFFF"/>
-        </a:solidFill>
-        <a:effectLst/>
-      </p:bgPr>
-    </p:bg>
     <p:spTree>
       <p:nvGrpSpPr>
         <p:cNvPr id="1" name=""/>
@@ -3987,7 +4826,7 @@
           <p:cNvPr id="2" name="Title 1">
             <a:extLst>
               <a:ext uri="{FF2B5EF4-FFF2-40B4-BE49-F238E27FC236}">
-                <a16:creationId xmlns:a16="http://schemas.microsoft.com/office/drawing/2014/main" id="{680932A7-3F27-2C69-C5DF-D527A2FAB8AF}"/>
+                <a16:creationId xmlns:a16="http://schemas.microsoft.com/office/drawing/2014/main" id="{3E45C220-DC4C-0450-4530-332D1C8EAE14}"/>
               </a:ext>
             </a:extLst>
           </p:cNvPr>
@@ -3998,33 +4837,24 @@
             <p:ph type="title"/>
           </p:nvPr>
         </p:nvSpPr>
-        <p:spPr>
-          <a:xfrm>
-            <a:off x="836612" y="1481137"/>
-            <a:ext cx="3932237" cy="1600200"/>
-          </a:xfrm>
-        </p:spPr>
-        <p:txBody>
-          <a:bodyPr/>
-          <a:lstStyle/>
-          <a:p>
-            <a:r>
-              <a:rPr lang="en-US" dirty="0">
-                <a:solidFill>
-                  <a:schemeClr val="bg1"/>
-                </a:solidFill>
-              </a:rPr>
-              <a:t>What?</a:t>
-            </a:r>
-          </a:p>
-        </p:txBody>
-      </p:sp>
-      <p:sp>
-        <p:nvSpPr>
-          <p:cNvPr id="6" name="Text Placeholder 5">
+        <p:spPr/>
+        <p:txBody>
+          <a:bodyPr/>
+          <a:lstStyle/>
+          <a:p>
+            <a:r>
+              <a:rPr lang="en-US" dirty="0"/>
+              <a:t>What? &amp; How ?</a:t>
+            </a:r>
+          </a:p>
+        </p:txBody>
+      </p:sp>
+      <p:sp>
+        <p:nvSpPr>
+          <p:cNvPr id="3" name="Content Placeholder 2">
             <a:extLst>
               <a:ext uri="{FF2B5EF4-FFF2-40B4-BE49-F238E27FC236}">
-                <a16:creationId xmlns:a16="http://schemas.microsoft.com/office/drawing/2014/main" id="{7DBFC5D9-D24E-EC4F-3E55-5702847ED96D}"/>
+                <a16:creationId xmlns:a16="http://schemas.microsoft.com/office/drawing/2014/main" id="{B435D07C-E747-0C6E-12E0-6C1C55B85E16}"/>
               </a:ext>
             </a:extLst>
           </p:cNvPr>
@@ -4032,144 +4862,39 @@
             <a:spLocks noGrp="1"/>
           </p:cNvSpPr>
           <p:nvPr>
-            <p:ph type="body" sz="half" idx="2"/>
-          </p:nvPr>
-        </p:nvSpPr>
-        <p:spPr>
-          <a:xfrm>
-            <a:off x="836611" y="3252787"/>
-            <a:ext cx="3932237" cy="1866900"/>
-          </a:xfrm>
-        </p:spPr>
-        <p:txBody>
-          <a:bodyPr>
-            <a:normAutofit fontScale="77500" lnSpcReduction="20000"/>
-          </a:bodyPr>
-          <a:lstStyle/>
-          <a:p>
-            <a:pPr marL="342900" indent="-342900">
-              <a:buFont typeface="Arial" panose="020B0604020202020204" pitchFamily="34" charset="0"/>
-              <a:buChar char="•"/>
+            <p:ph idx="1"/>
+          </p:nvPr>
+        </p:nvSpPr>
+        <p:spPr/>
+        <p:txBody>
+          <a:bodyPr/>
+          <a:lstStyle/>
+          <a:p>
+            <a:pPr marL="514350" indent="-514350">
+              <a:buFont typeface="+mj-lt"/>
+              <a:buAutoNum type="arabicPeriod"/>
             </a:pPr>
             <a:r>
-              <a:rPr lang="en-US" dirty="0">
-                <a:solidFill>
-                  <a:schemeClr val="bg1"/>
-                </a:solidFill>
-              </a:rPr>
-              <a:t>Should have title “Currency Converter”</a:t>
-            </a:r>
-          </a:p>
-          <a:p>
-            <a:pPr marL="342900" indent="-342900">
-              <a:buFont typeface="Arial" panose="020B0604020202020204" pitchFamily="34" charset="0"/>
-              <a:buChar char="•"/>
+              <a:rPr lang="en-US" dirty="0"/>
+              <a:t>What should be tested in frontends ?</a:t>
+            </a:r>
+          </a:p>
+          <a:p>
+            <a:pPr marL="514350" indent="-514350">
+              <a:buFont typeface="+mj-lt"/>
+              <a:buAutoNum type="arabicPeriod"/>
             </a:pPr>
             <a:r>
-              <a:rPr lang="en-US" dirty="0">
-                <a:solidFill>
-                  <a:schemeClr val="bg1"/>
-                </a:solidFill>
-              </a:rPr>
-              <a:t>Should have heading “Currency Converter”</a:t>
-            </a:r>
-          </a:p>
-          <a:p>
-            <a:pPr marL="342900" indent="-342900">
-              <a:buFont typeface="Arial" panose="020B0604020202020204" pitchFamily="34" charset="0"/>
-              <a:buChar char="•"/>
-            </a:pPr>
-            <a:r>
-              <a:rPr lang="en-US" dirty="0">
-                <a:solidFill>
-                  <a:schemeClr val="bg1"/>
-                </a:solidFill>
-              </a:rPr>
-              <a:t>Should have a label “From (LKR)</a:t>
-            </a:r>
-          </a:p>
-          <a:p>
-            <a:pPr marL="342900" indent="-342900">
-              <a:buFont typeface="Arial" panose="020B0604020202020204" pitchFamily="34" charset="0"/>
-              <a:buChar char="•"/>
-            </a:pPr>
-            <a:r>
-              <a:rPr lang="en-US" dirty="0">
-                <a:solidFill>
-                  <a:schemeClr val="bg1"/>
-                </a:solidFill>
-              </a:rPr>
-              <a:t>Should convert when convert button clicked.</a:t>
-            </a:r>
-          </a:p>
-          <a:p>
-            <a:pPr marL="342900" indent="-342900">
-              <a:buFont typeface="Arial" panose="020B0604020202020204" pitchFamily="34" charset="0"/>
-              <a:buChar char="•"/>
-            </a:pPr>
-            <a:r>
-              <a:rPr lang="en-US" dirty="0">
-                <a:solidFill>
-                  <a:schemeClr val="bg1"/>
-                </a:solidFill>
-              </a:rPr>
-              <a:t>Button text should be clear when convert is clicked</a:t>
-            </a:r>
-          </a:p>
-          <a:p>
-            <a:pPr marL="342900" indent="-342900">
-              <a:buFont typeface="Arial" panose="020B0604020202020204" pitchFamily="34" charset="0"/>
-              <a:buChar char="•"/>
-            </a:pPr>
-            <a:r>
-              <a:rPr lang="en-US" dirty="0">
-                <a:solidFill>
-                  <a:schemeClr val="bg1"/>
-                </a:solidFill>
-              </a:rPr>
-              <a:t>Converted amounts should have tailing $/€‎ signs </a:t>
-            </a:r>
-          </a:p>
-        </p:txBody>
-      </p:sp>
-      <p:pic>
-        <p:nvPicPr>
-          <p:cNvPr id="16" name="Picture Placeholder 15" descr="A screenshot of a computer&#10;&#10;Description automatically generated">
-            <a:extLst>
-              <a:ext uri="{FF2B5EF4-FFF2-40B4-BE49-F238E27FC236}">
-                <a16:creationId xmlns:a16="http://schemas.microsoft.com/office/drawing/2014/main" id="{88360FE7-7DA2-EEC2-56DC-E4BF8B8C615E}"/>
-              </a:ext>
-            </a:extLst>
-          </p:cNvPr>
-          <p:cNvPicPr>
-            <a:picLocks noGrp="1" noChangeAspect="1"/>
-          </p:cNvPicPr>
-          <p:nvPr>
-            <p:ph type="pic" idx="1"/>
-          </p:nvPr>
-        </p:nvPicPr>
-        <p:blipFill rotWithShape="1">
-          <a:blip r:embed="rId2">
-            <a:extLst>
-              <a:ext uri="{28A0092B-C50C-407E-A947-70E740481C1C}">
-                <a14:useLocalDpi xmlns:a14="http://schemas.microsoft.com/office/drawing/2010/main" val="0"/>
-              </a:ext>
-            </a:extLst>
-          </a:blip>
-          <a:srcRect l="-367" t="-23654" r="-2084" b="-14138"/>
-          <a:stretch/>
-        </p:blipFill>
-        <p:spPr>
-          <a:xfrm>
-            <a:off x="5183188" y="987425"/>
-            <a:ext cx="6172200" cy="4873625"/>
-          </a:xfrm>
-        </p:spPr>
-      </p:pic>
+              <a:rPr lang="en-US" dirty="0"/>
+              <a:t>How they should be tested ?</a:t>
+            </a:r>
+          </a:p>
+        </p:txBody>
+      </p:sp>
     </p:spTree>
     <p:extLst>
       <p:ext uri="{BB962C8B-B14F-4D97-AF65-F5344CB8AC3E}">
-        <p14:creationId xmlns:p14="http://schemas.microsoft.com/office/powerpoint/2010/main" val="1175993310"/>
+        <p14:creationId xmlns:p14="http://schemas.microsoft.com/office/powerpoint/2010/main" val="1205694018"/>
       </p:ext>
     </p:extLst>
   </p:cSld>
@@ -4222,7 +4947,7 @@
         </p:nvSpPr>
         <p:spPr>
           <a:xfrm>
-            <a:off x="836611" y="615950"/>
+            <a:off x="836611" y="1824037"/>
             <a:ext cx="3932237" cy="1600200"/>
           </a:xfrm>
         </p:spPr>
@@ -4236,7 +4961,7 @@
                   <a:schemeClr val="bg1"/>
                 </a:solidFill>
               </a:rPr>
-              <a:t>How?</a:t>
+              <a:t>I asked Chat GPT</a:t>
             </a:r>
           </a:p>
         </p:txBody>
@@ -4259,8 +4984,154 @@
         </p:nvSpPr>
         <p:spPr>
           <a:xfrm>
-            <a:off x="836611" y="2301875"/>
-            <a:ext cx="4478339" cy="2765425"/>
+            <a:off x="836612" y="3424237"/>
+            <a:ext cx="3932237" cy="1866900"/>
+          </a:xfrm>
+        </p:spPr>
+        <p:txBody>
+          <a:bodyPr/>
+          <a:lstStyle/>
+          <a:p>
+            <a:r>
+              <a:rPr lang="en-US" dirty="0">
+                <a:solidFill>
+                  <a:schemeClr val="bg1"/>
+                </a:solidFill>
+              </a:rPr>
+              <a:t>Build a currency converter.</a:t>
+            </a:r>
+          </a:p>
+        </p:txBody>
+      </p:sp>
+      <p:pic>
+        <p:nvPicPr>
+          <p:cNvPr id="16" name="Picture Placeholder 15" descr="A screenshot of a computer&#10;&#10;Description automatically generated">
+            <a:extLst>
+              <a:ext uri="{FF2B5EF4-FFF2-40B4-BE49-F238E27FC236}">
+                <a16:creationId xmlns:a16="http://schemas.microsoft.com/office/drawing/2014/main" id="{88360FE7-7DA2-EEC2-56DC-E4BF8B8C615E}"/>
+              </a:ext>
+            </a:extLst>
+          </p:cNvPr>
+          <p:cNvPicPr>
+            <a:picLocks noGrp="1" noChangeAspect="1"/>
+          </p:cNvPicPr>
+          <p:nvPr>
+            <p:ph type="pic" idx="1"/>
+          </p:nvPr>
+        </p:nvPicPr>
+        <p:blipFill rotWithShape="1">
+          <a:blip r:embed="rId2">
+            <a:extLst>
+              <a:ext uri="{28A0092B-C50C-407E-A947-70E740481C1C}">
+                <a14:useLocalDpi xmlns:a14="http://schemas.microsoft.com/office/drawing/2010/main" val="0"/>
+              </a:ext>
+            </a:extLst>
+          </a:blip>
+          <a:srcRect l="-367" t="-23654" r="-2084" b="-14138"/>
+          <a:stretch/>
+        </p:blipFill>
+        <p:spPr>
+          <a:xfrm>
+            <a:off x="5183188" y="987425"/>
+            <a:ext cx="6172200" cy="4873625"/>
+          </a:xfrm>
+        </p:spPr>
+      </p:pic>
+    </p:spTree>
+    <p:extLst>
+      <p:ext uri="{BB962C8B-B14F-4D97-AF65-F5344CB8AC3E}">
+        <p14:creationId xmlns:p14="http://schemas.microsoft.com/office/powerpoint/2010/main" val="2638335502"/>
+      </p:ext>
+    </p:extLst>
+  </p:cSld>
+  <p:clrMapOvr>
+    <a:masterClrMapping/>
+  </p:clrMapOvr>
+</p:sld>
+</file>
+
+<file path=ppt/slides/slide7.xml><?xml version="1.0" encoding="utf-8"?>
+<p:sld xmlns:a="http://schemas.openxmlformats.org/drawingml/2006/main" xmlns:r="http://schemas.openxmlformats.org/officeDocument/2006/relationships" xmlns:p="http://schemas.openxmlformats.org/presentationml/2006/main">
+  <p:cSld>
+    <p:bg>
+      <p:bgPr>
+        <a:solidFill>
+          <a:srgbClr val="FFFFFF"/>
+        </a:solidFill>
+        <a:effectLst/>
+      </p:bgPr>
+    </p:bg>
+    <p:spTree>
+      <p:nvGrpSpPr>
+        <p:cNvPr id="1" name=""/>
+        <p:cNvGrpSpPr/>
+        <p:nvPr/>
+      </p:nvGrpSpPr>
+      <p:grpSpPr>
+        <a:xfrm>
+          <a:off x="0" y="0"/>
+          <a:ext cx="0" cy="0"/>
+          <a:chOff x="0" y="0"/>
+          <a:chExt cx="0" cy="0"/>
+        </a:xfrm>
+      </p:grpSpPr>
+      <p:sp>
+        <p:nvSpPr>
+          <p:cNvPr id="2" name="Title 1">
+            <a:extLst>
+              <a:ext uri="{FF2B5EF4-FFF2-40B4-BE49-F238E27FC236}">
+                <a16:creationId xmlns:a16="http://schemas.microsoft.com/office/drawing/2014/main" id="{680932A7-3F27-2C69-C5DF-D527A2FAB8AF}"/>
+              </a:ext>
+            </a:extLst>
+          </p:cNvPr>
+          <p:cNvSpPr>
+            <a:spLocks noGrp="1"/>
+          </p:cNvSpPr>
+          <p:nvPr>
+            <p:ph type="title"/>
+          </p:nvPr>
+        </p:nvSpPr>
+        <p:spPr>
+          <a:xfrm>
+            <a:off x="836612" y="1481137"/>
+            <a:ext cx="3932237" cy="1600200"/>
+          </a:xfrm>
+        </p:spPr>
+        <p:txBody>
+          <a:bodyPr/>
+          <a:lstStyle/>
+          <a:p>
+            <a:r>
+              <a:rPr lang="en-US" dirty="0">
+                <a:solidFill>
+                  <a:schemeClr val="bg1"/>
+                </a:solidFill>
+              </a:rPr>
+              <a:t>What?</a:t>
+            </a:r>
+          </a:p>
+        </p:txBody>
+      </p:sp>
+      <p:sp>
+        <p:nvSpPr>
+          <p:cNvPr id="6" name="Text Placeholder 5">
+            <a:extLst>
+              <a:ext uri="{FF2B5EF4-FFF2-40B4-BE49-F238E27FC236}">
+                <a16:creationId xmlns:a16="http://schemas.microsoft.com/office/drawing/2014/main" id="{7DBFC5D9-D24E-EC4F-3E55-5702847ED96D}"/>
+              </a:ext>
+            </a:extLst>
+          </p:cNvPr>
+          <p:cNvSpPr>
+            <a:spLocks noGrp="1"/>
+          </p:cNvSpPr>
+          <p:nvPr>
+            <p:ph type="body" sz="half" idx="2"/>
+          </p:nvPr>
+        </p:nvSpPr>
+        <p:spPr>
+          <a:xfrm>
+            <a:off x="836611" y="3252787"/>
+            <a:ext cx="3932237" cy="1866900"/>
           </a:xfrm>
         </p:spPr>
         <p:txBody>
@@ -4283,17 +5154,6 @@
             </a:r>
           </a:p>
           <a:p>
-            <a:pPr lvl="1"/>
-            <a:r>
-              <a:rPr lang="en-US" dirty="0">
-                <a:solidFill>
-                  <a:schemeClr val="bg1"/>
-                </a:solidFill>
-              </a:rPr>
-              <a:t>Check document title is “Currency Converter”</a:t>
-            </a:r>
-          </a:p>
-          <a:p>
             <a:pPr marL="342900" indent="-342900">
               <a:buFont typeface="Arial" panose="020B0604020202020204" pitchFamily="34" charset="0"/>
               <a:buChar char="•"/>
@@ -4308,33 +5168,6 @@
             </a:r>
           </a:p>
           <a:p>
-            <a:pPr lvl="1"/>
-            <a:r>
-              <a:rPr lang="en-US" dirty="0">
-                <a:solidFill>
-                  <a:schemeClr val="bg1"/>
-                </a:solidFill>
-              </a:rPr>
-              <a:t>Check document has a h1 with </a:t>
-            </a:r>
-            <a:r>
-              <a:rPr lang="en-US" dirty="0" err="1">
-                <a:solidFill>
-                  <a:schemeClr val="bg1"/>
-                </a:solidFill>
-              </a:rPr>
-              <a:t>textContent</a:t>
-            </a:r>
-            <a:r>
-              <a:rPr lang="en-US" dirty="0">
-                <a:solidFill>
-                  <a:schemeClr val="bg1"/>
-                </a:solidFill>
-              </a:rPr>
-              <a:t> ““Currency Converter”</a:t>
-            </a:r>
-          </a:p>
-          <a:p>
             <a:pPr marL="342900" indent="-342900">
               <a:buFont typeface="Arial" panose="020B0604020202020204" pitchFamily="34" charset="0"/>
               <a:buChar char="•"/>
@@ -4345,18 +5178,7 @@
                   <a:schemeClr val="bg1"/>
                 </a:solidFill>
               </a:rPr>
-              <a:t>Should have a label “From (LKR)”</a:t>
-            </a:r>
-          </a:p>
-          <a:p>
-            <a:pPr lvl="1"/>
-            <a:r>
-              <a:rPr lang="en-US" dirty="0">
-                <a:solidFill>
-                  <a:schemeClr val="bg1"/>
-                </a:solidFill>
-              </a:rPr>
-              <a:t>Check the label text for input is “From (LKR)”</a:t>
+              <a:t>Should have a label “From (LKR)</a:t>
             </a:r>
           </a:p>
           <a:p>
@@ -4374,17 +5196,6 @@
             </a:r>
           </a:p>
           <a:p>
-            <a:pPr lvl="1"/>
-            <a:r>
-              <a:rPr lang="en-US" dirty="0">
-                <a:solidFill>
-                  <a:schemeClr val="bg1"/>
-                </a:solidFill>
-              </a:rPr>
-              <a:t>Check  table amount cell values are correct</a:t>
-            </a:r>
-          </a:p>
-          <a:p>
             <a:pPr marL="342900" indent="-342900">
               <a:buFont typeface="Arial" panose="020B0604020202020204" pitchFamily="34" charset="0"/>
               <a:buChar char="•"/>
@@ -4399,17 +5210,6 @@
             </a:r>
           </a:p>
           <a:p>
-            <a:pPr lvl="1"/>
-            <a:r>
-              <a:rPr lang="en-US" dirty="0">
-                <a:solidFill>
-                  <a:schemeClr val="bg1"/>
-                </a:solidFill>
-              </a:rPr>
-              <a:t>Check the button text after convert button is clicked</a:t>
-            </a:r>
-          </a:p>
-          <a:p>
             <a:pPr marL="342900" indent="-342900">
               <a:buFont typeface="Arial" panose="020B0604020202020204" pitchFamily="34" charset="0"/>
               <a:buChar char="•"/>
@@ -4423,16 +5223,538 @@
               <a:t>Converted amounts should have tailing $/€‎ signs </a:t>
             </a:r>
           </a:p>
-          <a:p>
-            <a:pPr lvl="1"/>
+        </p:txBody>
+      </p:sp>
+      <p:pic>
+        <p:nvPicPr>
+          <p:cNvPr id="16" name="Picture Placeholder 15" descr="A screenshot of a computer&#10;&#10;Description automatically generated">
+            <a:extLst>
+              <a:ext uri="{FF2B5EF4-FFF2-40B4-BE49-F238E27FC236}">
+                <a16:creationId xmlns:a16="http://schemas.microsoft.com/office/drawing/2014/main" id="{88360FE7-7DA2-EEC2-56DC-E4BF8B8C615E}"/>
+              </a:ext>
+            </a:extLst>
+          </p:cNvPr>
+          <p:cNvPicPr>
+            <a:picLocks noGrp="1" noChangeAspect="1"/>
+          </p:cNvPicPr>
+          <p:nvPr>
+            <p:ph type="pic" idx="1"/>
+          </p:nvPr>
+        </p:nvPicPr>
+        <p:blipFill rotWithShape="1">
+          <a:blip r:embed="rId2">
+            <a:extLst>
+              <a:ext uri="{28A0092B-C50C-407E-A947-70E740481C1C}">
+                <a14:useLocalDpi xmlns:a14="http://schemas.microsoft.com/office/drawing/2010/main" val="0"/>
+              </a:ext>
+            </a:extLst>
+          </a:blip>
+          <a:srcRect l="-367" t="-23654" r="-2084" b="-14138"/>
+          <a:stretch/>
+        </p:blipFill>
+        <p:spPr>
+          <a:xfrm>
+            <a:off x="5183188" y="987425"/>
+            <a:ext cx="6172200" cy="4873625"/>
+          </a:xfrm>
+        </p:spPr>
+      </p:pic>
+    </p:spTree>
+    <p:extLst>
+      <p:ext uri="{BB962C8B-B14F-4D97-AF65-F5344CB8AC3E}">
+        <p14:creationId xmlns:p14="http://schemas.microsoft.com/office/powerpoint/2010/main" val="1175993310"/>
+      </p:ext>
+    </p:extLst>
+  </p:cSld>
+  <p:clrMapOvr>
+    <a:masterClrMapping/>
+  </p:clrMapOvr>
+</p:sld>
+</file>
+
+<file path=ppt/slides/slide8.xml><?xml version="1.0" encoding="utf-8"?>
+<p:sld xmlns:a="http://schemas.openxmlformats.org/drawingml/2006/main" xmlns:r="http://schemas.openxmlformats.org/officeDocument/2006/relationships" xmlns:p="http://schemas.openxmlformats.org/presentationml/2006/main">
+  <p:cSld>
+    <p:bg>
+      <p:bgPr>
+        <a:solidFill>
+          <a:srgbClr val="FFFFFF"/>
+        </a:solidFill>
+        <a:effectLst/>
+      </p:bgPr>
+    </p:bg>
+    <p:spTree>
+      <p:nvGrpSpPr>
+        <p:cNvPr id="1" name=""/>
+        <p:cNvGrpSpPr/>
+        <p:nvPr/>
+      </p:nvGrpSpPr>
+      <p:grpSpPr>
+        <a:xfrm>
+          <a:off x="0" y="0"/>
+          <a:ext cx="0" cy="0"/>
+          <a:chOff x="0" y="0"/>
+          <a:chExt cx="0" cy="0"/>
+        </a:xfrm>
+      </p:grpSpPr>
+      <p:sp>
+        <p:nvSpPr>
+          <p:cNvPr id="2" name="Title 1">
+            <a:extLst>
+              <a:ext uri="{FF2B5EF4-FFF2-40B4-BE49-F238E27FC236}">
+                <a16:creationId xmlns:a16="http://schemas.microsoft.com/office/drawing/2014/main" id="{680932A7-3F27-2C69-C5DF-D527A2FAB8AF}"/>
+              </a:ext>
+            </a:extLst>
+          </p:cNvPr>
+          <p:cNvSpPr>
+            <a:spLocks noGrp="1"/>
+          </p:cNvSpPr>
+          <p:nvPr>
+            <p:ph type="title"/>
+          </p:nvPr>
+        </p:nvSpPr>
+        <p:spPr>
+          <a:xfrm>
+            <a:off x="836611" y="257362"/>
+            <a:ext cx="3932237" cy="1600200"/>
+          </a:xfrm>
+        </p:spPr>
+        <p:txBody>
+          <a:bodyPr/>
+          <a:lstStyle/>
+          <a:p>
             <a:r>
               <a:rPr lang="en-US" dirty="0">
                 <a:solidFill>
                   <a:schemeClr val="bg1"/>
                 </a:solidFill>
               </a:rPr>
-              <a:t>Check amount columns has currency signs</a:t>
-            </a:r>
+              <a:t>How?</a:t>
+            </a:r>
+          </a:p>
+        </p:txBody>
+      </p:sp>
+      <p:sp>
+        <p:nvSpPr>
+          <p:cNvPr id="6" name="Text Placeholder 5">
+            <a:extLst>
+              <a:ext uri="{FF2B5EF4-FFF2-40B4-BE49-F238E27FC236}">
+                <a16:creationId xmlns:a16="http://schemas.microsoft.com/office/drawing/2014/main" id="{7DBFC5D9-D24E-EC4F-3E55-5702847ED96D}"/>
+              </a:ext>
+            </a:extLst>
+          </p:cNvPr>
+          <p:cNvSpPr>
+            <a:spLocks noGrp="1"/>
+          </p:cNvSpPr>
+          <p:nvPr>
+            <p:ph type="body" sz="half" idx="2"/>
+          </p:nvPr>
+        </p:nvSpPr>
+        <p:spPr>
+          <a:xfrm>
+            <a:off x="836611" y="2022474"/>
+            <a:ext cx="4478339" cy="2765425"/>
+          </a:xfrm>
+        </p:spPr>
+        <p:txBody>
+          <a:bodyPr>
+            <a:normAutofit fontScale="25000" lnSpcReduction="20000"/>
+          </a:bodyPr>
+          <a:lstStyle/>
+          <a:p>
+            <a:r>
+              <a:rPr lang="en-US" sz="6400" dirty="0">
+                <a:solidFill>
+                  <a:schemeClr val="bg1"/>
+                </a:solidFill>
+              </a:rPr>
+              <a:t>Button text should be clear when convert is clicked.</a:t>
+            </a:r>
+          </a:p>
+          <a:p>
+            <a:endParaRPr lang="en-US" sz="6400" dirty="0">
+              <a:solidFill>
+                <a:schemeClr val="bg1"/>
+              </a:solidFill>
+            </a:endParaRPr>
+          </a:p>
+          <a:p>
+            <a:r>
+              <a:rPr lang="en-US" sz="6400" dirty="0">
+                <a:solidFill>
+                  <a:schemeClr val="bg1"/>
+                </a:solidFill>
+              </a:rPr>
+              <a:t>Simulate a click when button text is “convert” &amp;</a:t>
+            </a:r>
+          </a:p>
+          <a:p>
+            <a:r>
+              <a:rPr lang="en-US" sz="6400" dirty="0">
+                <a:solidFill>
+                  <a:schemeClr val="bg1"/>
+                </a:solidFill>
+              </a:rPr>
+              <a:t>check the button text is changed to “clear”.</a:t>
+            </a:r>
+          </a:p>
+          <a:p>
+            <a:endParaRPr lang="en-US" sz="6400" dirty="0">
+              <a:solidFill>
+                <a:schemeClr val="bg1"/>
+              </a:solidFill>
+            </a:endParaRPr>
+          </a:p>
+          <a:p>
+            <a:r>
+              <a:rPr lang="en-US" sz="6400" b="0" dirty="0" err="1">
+                <a:solidFill>
+                  <a:srgbClr val="79B8FF"/>
+                </a:solidFill>
+                <a:effectLst/>
+                <a:latin typeface="Consolas" panose="020B0609020204030204" pitchFamily="49" charset="0"/>
+              </a:rPr>
+              <a:t>convertBtn</a:t>
+            </a:r>
+            <a:r>
+              <a:rPr lang="en-US" sz="6400" b="0" dirty="0" err="1">
+                <a:solidFill>
+                  <a:srgbClr val="E1E4E8"/>
+                </a:solidFill>
+                <a:effectLst/>
+                <a:latin typeface="Consolas" panose="020B0609020204030204" pitchFamily="49" charset="0"/>
+              </a:rPr>
+              <a:t>.</a:t>
+            </a:r>
+            <a:r>
+              <a:rPr lang="en-US" sz="6400" b="0" dirty="0" err="1">
+                <a:solidFill>
+                  <a:srgbClr val="B392F0"/>
+                </a:solidFill>
+                <a:effectLst/>
+                <a:latin typeface="Consolas" panose="020B0609020204030204" pitchFamily="49" charset="0"/>
+              </a:rPr>
+              <a:t>click</a:t>
+            </a:r>
+            <a:r>
+              <a:rPr lang="en-US" sz="6400" b="0" dirty="0">
+                <a:solidFill>
+                  <a:srgbClr val="E1E4E8"/>
+                </a:solidFill>
+                <a:effectLst/>
+                <a:latin typeface="Consolas" panose="020B0609020204030204" pitchFamily="49" charset="0"/>
+              </a:rPr>
+              <a:t>();</a:t>
+            </a:r>
+          </a:p>
+          <a:p>
+            <a:r>
+              <a:rPr lang="en-US" sz="6400" b="0" dirty="0">
+                <a:solidFill>
+                  <a:srgbClr val="F97583"/>
+                </a:solidFill>
+                <a:effectLst/>
+                <a:latin typeface="Consolas" panose="020B0609020204030204" pitchFamily="49" charset="0"/>
+              </a:rPr>
+              <a:t>const</a:t>
+            </a:r>
+            <a:r>
+              <a:rPr lang="en-US" sz="6400" b="0" dirty="0">
+                <a:solidFill>
+                  <a:srgbClr val="E1E4E8"/>
+                </a:solidFill>
+                <a:effectLst/>
+                <a:latin typeface="Consolas" panose="020B0609020204030204" pitchFamily="49" charset="0"/>
+              </a:rPr>
+              <a:t> </a:t>
+            </a:r>
+            <a:r>
+              <a:rPr lang="en-US" sz="6400" b="0" dirty="0" err="1">
+                <a:solidFill>
+                  <a:srgbClr val="79B8FF"/>
+                </a:solidFill>
+                <a:effectLst/>
+                <a:latin typeface="Consolas" panose="020B0609020204030204" pitchFamily="49" charset="0"/>
+              </a:rPr>
+              <a:t>btnText</a:t>
+            </a:r>
+            <a:r>
+              <a:rPr lang="en-US" sz="6400" b="0" dirty="0">
+                <a:solidFill>
+                  <a:srgbClr val="E1E4E8"/>
+                </a:solidFill>
+                <a:effectLst/>
+                <a:latin typeface="Consolas" panose="020B0609020204030204" pitchFamily="49" charset="0"/>
+              </a:rPr>
+              <a:t> </a:t>
+            </a:r>
+            <a:r>
+              <a:rPr lang="en-US" sz="6400" b="0" dirty="0">
+                <a:solidFill>
+                  <a:srgbClr val="F97583"/>
+                </a:solidFill>
+                <a:effectLst/>
+                <a:latin typeface="Consolas" panose="020B0609020204030204" pitchFamily="49" charset="0"/>
+              </a:rPr>
+              <a:t>=</a:t>
+            </a:r>
+            <a:r>
+              <a:rPr lang="en-US" sz="6400" b="0" dirty="0">
+                <a:solidFill>
+                  <a:srgbClr val="E1E4E8"/>
+                </a:solidFill>
+                <a:effectLst/>
+                <a:latin typeface="Consolas" panose="020B0609020204030204" pitchFamily="49" charset="0"/>
+              </a:rPr>
+              <a:t> </a:t>
+            </a:r>
+            <a:r>
+              <a:rPr lang="en-US" sz="6400" b="0" dirty="0" err="1">
+                <a:solidFill>
+                  <a:srgbClr val="79B8FF"/>
+                </a:solidFill>
+                <a:effectLst/>
+                <a:latin typeface="Consolas" panose="020B0609020204030204" pitchFamily="49" charset="0"/>
+              </a:rPr>
+              <a:t>convertBtn</a:t>
+            </a:r>
+            <a:r>
+              <a:rPr lang="en-US" sz="6400" b="0" dirty="0" err="1">
+                <a:solidFill>
+                  <a:srgbClr val="E1E4E8"/>
+                </a:solidFill>
+                <a:effectLst/>
+                <a:latin typeface="Consolas" panose="020B0609020204030204" pitchFamily="49" charset="0"/>
+              </a:rPr>
+              <a:t>.</a:t>
+            </a:r>
+            <a:r>
+              <a:rPr lang="en-US" sz="6400" b="0" dirty="0" err="1">
+                <a:solidFill>
+                  <a:srgbClr val="79B8FF"/>
+                </a:solidFill>
+                <a:effectLst/>
+                <a:latin typeface="Consolas" panose="020B0609020204030204" pitchFamily="49" charset="0"/>
+              </a:rPr>
+              <a:t>textContent</a:t>
+            </a:r>
+            <a:r>
+              <a:rPr lang="en-US" sz="6400" b="0" dirty="0">
+                <a:solidFill>
+                  <a:srgbClr val="E1E4E8"/>
+                </a:solidFill>
+                <a:effectLst/>
+                <a:latin typeface="Consolas" panose="020B0609020204030204" pitchFamily="49" charset="0"/>
+              </a:rPr>
+              <a:t>;</a:t>
+            </a:r>
+          </a:p>
+          <a:p>
+            <a:r>
+              <a:rPr lang="en-US" sz="6400" b="0" dirty="0">
+                <a:solidFill>
+                  <a:srgbClr val="F97583"/>
+                </a:solidFill>
+                <a:effectLst/>
+                <a:latin typeface="Consolas" panose="020B0609020204030204" pitchFamily="49" charset="0"/>
+              </a:rPr>
+              <a:t>if</a:t>
+            </a:r>
+            <a:r>
+              <a:rPr lang="en-US" sz="6400" b="0" dirty="0">
+                <a:solidFill>
+                  <a:srgbClr val="E1E4E8"/>
+                </a:solidFill>
+                <a:effectLst/>
+                <a:latin typeface="Consolas" panose="020B0609020204030204" pitchFamily="49" charset="0"/>
+              </a:rPr>
+              <a:t>(</a:t>
+            </a:r>
+            <a:r>
+              <a:rPr lang="en-US" sz="6400" b="0" dirty="0" err="1">
+                <a:solidFill>
+                  <a:srgbClr val="79B8FF"/>
+                </a:solidFill>
+                <a:effectLst/>
+                <a:latin typeface="Consolas" panose="020B0609020204030204" pitchFamily="49" charset="0"/>
+              </a:rPr>
+              <a:t>btnText</a:t>
+            </a:r>
+            <a:r>
+              <a:rPr lang="en-US" sz="6400" b="0" dirty="0">
+                <a:solidFill>
+                  <a:srgbClr val="E1E4E8"/>
+                </a:solidFill>
+                <a:effectLst/>
+                <a:latin typeface="Consolas" panose="020B0609020204030204" pitchFamily="49" charset="0"/>
+              </a:rPr>
+              <a:t> </a:t>
+            </a:r>
+            <a:r>
+              <a:rPr lang="en-US" sz="6400" b="0" dirty="0">
+                <a:solidFill>
+                  <a:srgbClr val="F97583"/>
+                </a:solidFill>
+                <a:effectLst/>
+                <a:latin typeface="Consolas" panose="020B0609020204030204" pitchFamily="49" charset="0"/>
+              </a:rPr>
+              <a:t>===</a:t>
+            </a:r>
+            <a:r>
+              <a:rPr lang="en-US" sz="6400" b="0" dirty="0">
+                <a:solidFill>
+                  <a:srgbClr val="E1E4E8"/>
+                </a:solidFill>
+                <a:effectLst/>
+                <a:latin typeface="Consolas" panose="020B0609020204030204" pitchFamily="49" charset="0"/>
+              </a:rPr>
+              <a:t> </a:t>
+            </a:r>
+            <a:r>
+              <a:rPr lang="en-US" sz="6400" b="0" dirty="0">
+                <a:solidFill>
+                  <a:srgbClr val="9ECBFF"/>
+                </a:solidFill>
+                <a:effectLst/>
+                <a:latin typeface="Consolas" panose="020B0609020204030204" pitchFamily="49" charset="0"/>
+              </a:rPr>
+              <a:t>'clear'</a:t>
+            </a:r>
+            <a:r>
+              <a:rPr lang="en-US" sz="6400" b="0" dirty="0">
+                <a:solidFill>
+                  <a:srgbClr val="E1E4E8"/>
+                </a:solidFill>
+                <a:effectLst/>
+                <a:latin typeface="Consolas" panose="020B0609020204030204" pitchFamily="49" charset="0"/>
+              </a:rPr>
+              <a:t>){</a:t>
+            </a:r>
+          </a:p>
+          <a:p>
+            <a:r>
+              <a:rPr lang="en-US" sz="6400" b="0" dirty="0">
+                <a:solidFill>
+                  <a:srgbClr val="E1E4E8"/>
+                </a:solidFill>
+                <a:effectLst/>
+                <a:latin typeface="Consolas" panose="020B0609020204030204" pitchFamily="49" charset="0"/>
+              </a:rPr>
+              <a:t>  </a:t>
+            </a:r>
+            <a:r>
+              <a:rPr lang="en-US" sz="6400" b="0" dirty="0">
+                <a:solidFill>
+                  <a:srgbClr val="6A737D"/>
+                </a:solidFill>
+                <a:effectLst/>
+                <a:latin typeface="Consolas" panose="020B0609020204030204" pitchFamily="49" charset="0"/>
+              </a:rPr>
+              <a:t>// pass the test</a:t>
+            </a:r>
+            <a:endParaRPr lang="en-US" sz="6400" b="0" dirty="0">
+              <a:solidFill>
+                <a:srgbClr val="E1E4E8"/>
+              </a:solidFill>
+              <a:effectLst/>
+              <a:latin typeface="Consolas" panose="020B0609020204030204" pitchFamily="49" charset="0"/>
+            </a:endParaRPr>
+          </a:p>
+          <a:p>
+            <a:r>
+              <a:rPr lang="en-US" sz="6400" b="0" dirty="0">
+                <a:solidFill>
+                  <a:srgbClr val="E1E4E8"/>
+                </a:solidFill>
+                <a:effectLst/>
+                <a:latin typeface="Consolas" panose="020B0609020204030204" pitchFamily="49" charset="0"/>
+              </a:rPr>
+              <a:t>}</a:t>
+            </a:r>
+          </a:p>
+          <a:p>
+            <a:r>
+              <a:rPr lang="en-US" sz="6400" b="0" dirty="0">
+                <a:solidFill>
+                  <a:srgbClr val="F97583"/>
+                </a:solidFill>
+                <a:effectLst/>
+                <a:latin typeface="Consolas" panose="020B0609020204030204" pitchFamily="49" charset="0"/>
+              </a:rPr>
+              <a:t>else</a:t>
+            </a:r>
+            <a:r>
+              <a:rPr lang="en-US" sz="6400" b="0" dirty="0">
+                <a:solidFill>
+                  <a:srgbClr val="E1E4E8"/>
+                </a:solidFill>
+                <a:effectLst/>
+                <a:latin typeface="Consolas" panose="020B0609020204030204" pitchFamily="49" charset="0"/>
+              </a:rPr>
+              <a:t>{</a:t>
+            </a:r>
+          </a:p>
+          <a:p>
+            <a:r>
+              <a:rPr lang="en-US" sz="6400" b="0" dirty="0">
+                <a:solidFill>
+                  <a:srgbClr val="E1E4E8"/>
+                </a:solidFill>
+                <a:effectLst/>
+                <a:latin typeface="Consolas" panose="020B0609020204030204" pitchFamily="49" charset="0"/>
+              </a:rPr>
+              <a:t>  </a:t>
+            </a:r>
+            <a:r>
+              <a:rPr lang="en-US" sz="6400" b="0" dirty="0">
+                <a:solidFill>
+                  <a:srgbClr val="6A737D"/>
+                </a:solidFill>
+                <a:effectLst/>
+                <a:latin typeface="Consolas" panose="020B0609020204030204" pitchFamily="49" charset="0"/>
+              </a:rPr>
+              <a:t>// fail the test</a:t>
+            </a:r>
+            <a:endParaRPr lang="en-US" sz="6400" b="0" dirty="0">
+              <a:solidFill>
+                <a:srgbClr val="E1E4E8"/>
+              </a:solidFill>
+              <a:effectLst/>
+              <a:latin typeface="Consolas" panose="020B0609020204030204" pitchFamily="49" charset="0"/>
+            </a:endParaRPr>
+          </a:p>
+          <a:p>
+            <a:r>
+              <a:rPr lang="en-US" b="0" dirty="0">
+                <a:solidFill>
+                  <a:srgbClr val="E1E4E8"/>
+                </a:solidFill>
+                <a:effectLst/>
+                <a:latin typeface="Consolas" panose="020B0609020204030204" pitchFamily="49" charset="0"/>
+              </a:rPr>
+              <a:t>}</a:t>
+            </a:r>
+          </a:p>
+          <a:p>
+            <a:endParaRPr lang="en-US" dirty="0">
+              <a:solidFill>
+                <a:schemeClr val="bg1"/>
+              </a:solidFill>
+            </a:endParaRPr>
+          </a:p>
+          <a:p>
+            <a:endParaRPr lang="en-US" dirty="0">
+              <a:solidFill>
+                <a:schemeClr val="bg1"/>
+              </a:solidFill>
+            </a:endParaRPr>
+          </a:p>
+          <a:p>
+            <a:endParaRPr lang="en-US" dirty="0">
+              <a:solidFill>
+                <a:schemeClr val="bg1"/>
+              </a:solidFill>
+            </a:endParaRPr>
           </a:p>
         </p:txBody>
       </p:sp>
@@ -4514,202 +5836,6 @@
     <p:extLst>
       <p:ext uri="{BB962C8B-B14F-4D97-AF65-F5344CB8AC3E}">
         <p14:creationId xmlns:p14="http://schemas.microsoft.com/office/powerpoint/2010/main" val="3097953375"/>
-      </p:ext>
-    </p:extLst>
-  </p:cSld>
-  <p:clrMapOvr>
-    <a:masterClrMapping/>
-  </p:clrMapOvr>
-</p:sld>
-</file>
-
-<file path=ppt/slides/slide7.xml><?xml version="1.0" encoding="utf-8"?>
-<p:sld xmlns:a="http://schemas.openxmlformats.org/drawingml/2006/main" xmlns:r="http://schemas.openxmlformats.org/officeDocument/2006/relationships" xmlns:p="http://schemas.openxmlformats.org/presentationml/2006/main">
-  <p:cSld>
-    <p:spTree>
-      <p:nvGrpSpPr>
-        <p:cNvPr id="1" name=""/>
-        <p:cNvGrpSpPr/>
-        <p:nvPr/>
-      </p:nvGrpSpPr>
-      <p:grpSpPr>
-        <a:xfrm>
-          <a:off x="0" y="0"/>
-          <a:ext cx="0" cy="0"/>
-          <a:chOff x="0" y="0"/>
-          <a:chExt cx="0" cy="0"/>
-        </a:xfrm>
-      </p:grpSpPr>
-      <p:sp>
-        <p:nvSpPr>
-          <p:cNvPr id="2" name="Title 1">
-            <a:extLst>
-              <a:ext uri="{FF2B5EF4-FFF2-40B4-BE49-F238E27FC236}">
-                <a16:creationId xmlns:a16="http://schemas.microsoft.com/office/drawing/2014/main" id="{33E9B78E-B9B3-05B0-2028-04779DE43159}"/>
-              </a:ext>
-            </a:extLst>
-          </p:cNvPr>
-          <p:cNvSpPr>
-            <a:spLocks noGrp="1"/>
-          </p:cNvSpPr>
-          <p:nvPr>
-            <p:ph type="title"/>
-          </p:nvPr>
-        </p:nvSpPr>
-        <p:spPr/>
-        <p:txBody>
-          <a:bodyPr/>
-          <a:lstStyle/>
-          <a:p>
-            <a:r>
-              <a:rPr lang="en-US" dirty="0"/>
-              <a:t>Buzz words</a:t>
-            </a:r>
-          </a:p>
-        </p:txBody>
-      </p:sp>
-      <p:sp>
-        <p:nvSpPr>
-          <p:cNvPr id="3" name="Content Placeholder 2">
-            <a:extLst>
-              <a:ext uri="{FF2B5EF4-FFF2-40B4-BE49-F238E27FC236}">
-                <a16:creationId xmlns:a16="http://schemas.microsoft.com/office/drawing/2014/main" id="{04CF0E18-ACEE-7937-FED4-97605E759EE6}"/>
-              </a:ext>
-            </a:extLst>
-          </p:cNvPr>
-          <p:cNvSpPr>
-            <a:spLocks noGrp="1"/>
-          </p:cNvSpPr>
-          <p:nvPr>
-            <p:ph idx="1"/>
-          </p:nvPr>
-        </p:nvSpPr>
-        <p:spPr/>
-        <p:txBody>
-          <a:bodyPr/>
-          <a:lstStyle/>
-          <a:p>
-            <a:r>
-              <a:rPr lang="en-US" dirty="0"/>
-              <a:t>Test framework</a:t>
-            </a:r>
-          </a:p>
-          <a:p>
-            <a:r>
-              <a:rPr lang="en-US" dirty="0"/>
-              <a:t>Assertion Library</a:t>
-            </a:r>
-          </a:p>
-          <a:p>
-            <a:r>
-              <a:rPr lang="en-US" dirty="0"/>
-              <a:t>Test Runner</a:t>
-            </a:r>
-          </a:p>
-          <a:p>
-            <a:r>
-              <a:rPr lang="en-US" dirty="0"/>
-              <a:t>Test Environment</a:t>
-            </a:r>
-          </a:p>
-          <a:p>
-            <a:r>
-              <a:rPr lang="en-US" dirty="0"/>
-              <a:t>Fixtures and testcases</a:t>
-            </a:r>
-          </a:p>
-          <a:p>
-            <a:endParaRPr lang="en-US" dirty="0"/>
-          </a:p>
-        </p:txBody>
-      </p:sp>
-    </p:spTree>
-    <p:extLst>
-      <p:ext uri="{BB962C8B-B14F-4D97-AF65-F5344CB8AC3E}">
-        <p14:creationId xmlns:p14="http://schemas.microsoft.com/office/powerpoint/2010/main" val="876393545"/>
-      </p:ext>
-    </p:extLst>
-  </p:cSld>
-  <p:clrMapOvr>
-    <a:masterClrMapping/>
-  </p:clrMapOvr>
-</p:sld>
-</file>
-
-<file path=ppt/slides/slide8.xml><?xml version="1.0" encoding="utf-8"?>
-<p:sld xmlns:a="http://schemas.openxmlformats.org/drawingml/2006/main" xmlns:r="http://schemas.openxmlformats.org/officeDocument/2006/relationships" xmlns:p="http://schemas.openxmlformats.org/presentationml/2006/main">
-  <p:cSld>
-    <p:spTree>
-      <p:nvGrpSpPr>
-        <p:cNvPr id="1" name=""/>
-        <p:cNvGrpSpPr/>
-        <p:nvPr/>
-      </p:nvGrpSpPr>
-      <p:grpSpPr>
-        <a:xfrm>
-          <a:off x="0" y="0"/>
-          <a:ext cx="0" cy="0"/>
-          <a:chOff x="0" y="0"/>
-          <a:chExt cx="0" cy="0"/>
-        </a:xfrm>
-      </p:grpSpPr>
-      <p:sp>
-        <p:nvSpPr>
-          <p:cNvPr id="2" name="Title 1">
-            <a:extLst>
-              <a:ext uri="{FF2B5EF4-FFF2-40B4-BE49-F238E27FC236}">
-                <a16:creationId xmlns:a16="http://schemas.microsoft.com/office/drawing/2014/main" id="{962B4669-1993-4A54-D597-12DDC5776402}"/>
-              </a:ext>
-            </a:extLst>
-          </p:cNvPr>
-          <p:cNvSpPr>
-            <a:spLocks noGrp="1"/>
-          </p:cNvSpPr>
-          <p:nvPr>
-            <p:ph type="title"/>
-          </p:nvPr>
-        </p:nvSpPr>
-        <p:spPr/>
-        <p:txBody>
-          <a:bodyPr/>
-          <a:lstStyle/>
-          <a:p>
-            <a:r>
-              <a:rPr lang="en-US" dirty="0"/>
-              <a:t>BDD</a:t>
-            </a:r>
-          </a:p>
-        </p:txBody>
-      </p:sp>
-      <p:sp>
-        <p:nvSpPr>
-          <p:cNvPr id="3" name="Content Placeholder 2">
-            <a:extLst>
-              <a:ext uri="{FF2B5EF4-FFF2-40B4-BE49-F238E27FC236}">
-                <a16:creationId xmlns:a16="http://schemas.microsoft.com/office/drawing/2014/main" id="{6ACB6DDC-0275-CCF1-401F-0B3572789A48}"/>
-              </a:ext>
-            </a:extLst>
-          </p:cNvPr>
-          <p:cNvSpPr>
-            <a:spLocks noGrp="1"/>
-          </p:cNvSpPr>
-          <p:nvPr>
-            <p:ph idx="1"/>
-          </p:nvPr>
-        </p:nvSpPr>
-        <p:spPr/>
-        <p:txBody>
-          <a:bodyPr/>
-          <a:lstStyle/>
-          <a:p>
-            <a:endParaRPr lang="en-US" dirty="0"/>
-          </a:p>
-        </p:txBody>
-      </p:sp>
-    </p:spTree>
-    <p:extLst>
-      <p:ext uri="{BB962C8B-B14F-4D97-AF65-F5344CB8AC3E}">
-        <p14:creationId xmlns:p14="http://schemas.microsoft.com/office/powerpoint/2010/main" val="297004645"/>
       </p:ext>
     </p:extLst>
   </p:cSld>
@@ -4741,7 +5867,7 @@
           <p:cNvPr id="2" name="Title 1">
             <a:extLst>
               <a:ext uri="{FF2B5EF4-FFF2-40B4-BE49-F238E27FC236}">
-                <a16:creationId xmlns:a16="http://schemas.microsoft.com/office/drawing/2014/main" id="{24CAEBD4-9C0E-0E2A-20A3-FBEC37253EBA}"/>
+                <a16:creationId xmlns:a16="http://schemas.microsoft.com/office/drawing/2014/main" id="{33E9B78E-B9B3-05B0-2028-04779DE43159}"/>
               </a:ext>
             </a:extLst>
           </p:cNvPr>
@@ -4759,7 +5885,7 @@
           <a:p>
             <a:r>
               <a:rPr lang="en-US" dirty="0"/>
-              <a:t>Stub Types</a:t>
+              <a:t>Buzz words</a:t>
             </a:r>
           </a:p>
         </p:txBody>
@@ -4769,7 +5895,7 @@
           <p:cNvPr id="3" name="Content Placeholder 2">
             <a:extLst>
               <a:ext uri="{FF2B5EF4-FFF2-40B4-BE49-F238E27FC236}">
-                <a16:creationId xmlns:a16="http://schemas.microsoft.com/office/drawing/2014/main" id="{F368E088-261E-CC7D-DBF1-7214EE0CE1B2}"/>
+                <a16:creationId xmlns:a16="http://schemas.microsoft.com/office/drawing/2014/main" id="{04CF0E18-ACEE-7937-FED4-97605E759EE6}"/>
               </a:ext>
             </a:extLst>
           </p:cNvPr>
@@ -4777,7 +5903,7 @@
             <a:spLocks noGrp="1"/>
           </p:cNvSpPr>
           <p:nvPr>
-            <p:ph idx="1"/>
+            <p:ph sz="half" idx="1"/>
           </p:nvPr>
         </p:nvSpPr>
         <p:spPr/>
@@ -4785,14 +5911,94 @@
           <a:bodyPr/>
           <a:lstStyle/>
           <a:p>
+            <a:r>
+              <a:rPr lang="en-US" dirty="0"/>
+              <a:t>Fixtures and testcases</a:t>
+            </a:r>
+          </a:p>
+          <a:p>
+            <a:r>
+              <a:rPr lang="en-US" dirty="0"/>
+              <a:t>BDD</a:t>
+            </a:r>
+          </a:p>
+          <a:p>
+            <a:r>
+              <a:rPr lang="en-US" dirty="0"/>
+              <a:t>Stub Types</a:t>
+            </a:r>
+          </a:p>
+          <a:p>
+            <a:r>
+              <a:rPr lang="en-US" dirty="0"/>
+              <a:t>Test framework</a:t>
+            </a:r>
+          </a:p>
+          <a:p>
+            <a:r>
+              <a:rPr lang="en-US" dirty="0"/>
+              <a:t>Assertion Library</a:t>
+            </a:r>
+          </a:p>
+          <a:p>
+            <a:r>
+              <a:rPr lang="en-US" dirty="0"/>
+              <a:t>Test Runner</a:t>
+            </a:r>
+          </a:p>
+          <a:p>
+            <a:r>
+              <a:rPr lang="en-US" dirty="0"/>
+              <a:t>Test Environment</a:t>
+            </a:r>
+          </a:p>
+          <a:p>
+            <a:pPr marL="0" indent="0">
+              <a:buNone/>
+            </a:pPr>
             <a:endParaRPr lang="en-US" dirty="0"/>
           </a:p>
         </p:txBody>
       </p:sp>
+      <p:pic>
+        <p:nvPicPr>
+          <p:cNvPr id="6" name="Content Placeholder 5" descr="A diagram of a software testing pyramid&#10;&#10;Description automatically generated">
+            <a:extLst>
+              <a:ext uri="{FF2B5EF4-FFF2-40B4-BE49-F238E27FC236}">
+                <a16:creationId xmlns:a16="http://schemas.microsoft.com/office/drawing/2014/main" id="{6222AB90-ABB1-D72B-745F-30D934160BDB}"/>
+              </a:ext>
+            </a:extLst>
+          </p:cNvPr>
+          <p:cNvPicPr>
+            <a:picLocks noGrp="1" noChangeAspect="1"/>
+          </p:cNvPicPr>
+          <p:nvPr>
+            <p:ph sz="half" idx="2"/>
+          </p:nvPr>
+        </p:nvPicPr>
+        <p:blipFill>
+          <a:blip r:embed="rId2">
+            <a:extLst>
+              <a:ext uri="{28A0092B-C50C-407E-A947-70E740481C1C}">
+                <a14:useLocalDpi xmlns:a14="http://schemas.microsoft.com/office/drawing/2010/main" val="0"/>
+              </a:ext>
+            </a:extLst>
+          </a:blip>
+          <a:stretch>
+            <a:fillRect/>
+          </a:stretch>
+        </p:blipFill>
+        <p:spPr>
+          <a:xfrm>
+            <a:off x="6377065" y="1825625"/>
+            <a:ext cx="4771869" cy="4351338"/>
+          </a:xfrm>
+        </p:spPr>
+      </p:pic>
     </p:spTree>
     <p:extLst>
       <p:ext uri="{BB962C8B-B14F-4D97-AF65-F5344CB8AC3E}">
-        <p14:creationId xmlns:p14="http://schemas.microsoft.com/office/powerpoint/2010/main" val="3046466270"/>
+        <p14:creationId xmlns:p14="http://schemas.microsoft.com/office/powerpoint/2010/main" val="876393545"/>
       </p:ext>
     </p:extLst>
   </p:cSld>
